--- a/Mod3.2_Proj_Exec.pptx
+++ b/Mod3.2_Proj_Exec.pptx
@@ -4,6 +4,9 @@
   <p:sldMasterIdLst>
     <p:sldMasterId id="2147483712" r:id="rId1"/>
   </p:sldMasterIdLst>
+  <p:notesMasterIdLst>
+    <p:notesMasterId r:id="rId11"/>
+  </p:notesMasterIdLst>
   <p:sldIdLst>
     <p:sldId id="256" r:id="rId2"/>
     <p:sldId id="257" r:id="rId3"/>
@@ -112,7 +115,718 @@
       </a:defRPr>
     </a:lvl9pPr>
   </p:defaultTextStyle>
+  <p:extLst>
+    <p:ext uri="{EFAFB233-063F-42B5-8137-9DF3F51BA10A}">
+      <p15:sldGuideLst xmlns:p15="http://schemas.microsoft.com/office/powerpoint/2012/main"/>
+    </p:ext>
+  </p:extLst>
 </p:presentation>
+</file>
+
+<file path=ppt/notesMasters/notesMaster1.xml><?xml version="1.0" encoding="utf-8"?>
+<p:notesMaster xmlns:a="http://schemas.openxmlformats.org/drawingml/2006/main" xmlns:r="http://schemas.openxmlformats.org/officeDocument/2006/relationships" xmlns:p="http://schemas.openxmlformats.org/presentationml/2006/main">
+  <p:cSld>
+    <p:bg>
+      <p:bgRef idx="1001">
+        <a:schemeClr val="bg1"/>
+      </p:bgRef>
+    </p:bg>
+    <p:spTree>
+      <p:nvGrpSpPr>
+        <p:cNvPr id="1" name=""/>
+        <p:cNvGrpSpPr/>
+        <p:nvPr/>
+      </p:nvGrpSpPr>
+      <p:grpSpPr>
+        <a:xfrm>
+          <a:off x="0" y="0"/>
+          <a:ext cx="0" cy="0"/>
+          <a:chOff x="0" y="0"/>
+          <a:chExt cx="0" cy="0"/>
+        </a:xfrm>
+      </p:grpSpPr>
+      <p:sp>
+        <p:nvSpPr>
+          <p:cNvPr id="2" name="Header Placeholder 1"/>
+          <p:cNvSpPr>
+            <a:spLocks noGrp="1"/>
+          </p:cNvSpPr>
+          <p:nvPr>
+            <p:ph type="hdr" sz="quarter"/>
+          </p:nvPr>
+        </p:nvSpPr>
+        <p:spPr>
+          <a:xfrm>
+            <a:off x="0" y="0"/>
+            <a:ext cx="2971800" cy="458788"/>
+          </a:xfrm>
+          <a:prstGeom prst="rect">
+            <a:avLst/>
+          </a:prstGeom>
+        </p:spPr>
+        <p:txBody>
+          <a:bodyPr vert="horz" lIns="91440" tIns="45720" rIns="91440" bIns="45720" rtlCol="0"/>
+          <a:lstStyle>
+            <a:lvl1pPr algn="l">
+              <a:defRPr sz="1200"/>
+            </a:lvl1pPr>
+          </a:lstStyle>
+          <a:p>
+            <a:endParaRPr lang="en-US"/>
+          </a:p>
+        </p:txBody>
+      </p:sp>
+      <p:sp>
+        <p:nvSpPr>
+          <p:cNvPr id="3" name="Date Placeholder 2"/>
+          <p:cNvSpPr>
+            <a:spLocks noGrp="1"/>
+          </p:cNvSpPr>
+          <p:nvPr>
+            <p:ph type="dt" idx="1"/>
+          </p:nvPr>
+        </p:nvSpPr>
+        <p:spPr>
+          <a:xfrm>
+            <a:off x="3884613" y="0"/>
+            <a:ext cx="2971800" cy="458788"/>
+          </a:xfrm>
+          <a:prstGeom prst="rect">
+            <a:avLst/>
+          </a:prstGeom>
+        </p:spPr>
+        <p:txBody>
+          <a:bodyPr vert="horz" lIns="91440" tIns="45720" rIns="91440" bIns="45720" rtlCol="0"/>
+          <a:lstStyle>
+            <a:lvl1pPr algn="r">
+              <a:defRPr sz="1200"/>
+            </a:lvl1pPr>
+          </a:lstStyle>
+          <a:p>
+            <a:fld id="{9F244271-1F2C-4D6E-B0F6-340CEEEE1773}" type="datetimeFigureOut">
+              <a:rPr lang="en-US" smtClean="0"/>
+              <a:t>5/2/2020</a:t>
+            </a:fld>
+            <a:endParaRPr lang="en-US"/>
+          </a:p>
+        </p:txBody>
+      </p:sp>
+      <p:sp>
+        <p:nvSpPr>
+          <p:cNvPr id="4" name="Slide Image Placeholder 3"/>
+          <p:cNvSpPr>
+            <a:spLocks noGrp="1" noRot="1" noChangeAspect="1"/>
+          </p:cNvSpPr>
+          <p:nvPr>
+            <p:ph type="sldImg" idx="2"/>
+          </p:nvPr>
+        </p:nvSpPr>
+        <p:spPr>
+          <a:xfrm>
+            <a:off x="685800" y="1143000"/>
+            <a:ext cx="5486400" cy="3086100"/>
+          </a:xfrm>
+          <a:prstGeom prst="rect">
+            <a:avLst/>
+          </a:prstGeom>
+          <a:noFill/>
+          <a:ln w="12700">
+            <a:solidFill>
+              <a:prstClr val="black"/>
+            </a:solidFill>
+          </a:ln>
+        </p:spPr>
+        <p:txBody>
+          <a:bodyPr vert="horz" lIns="91440" tIns="45720" rIns="91440" bIns="45720" rtlCol="0" anchor="ctr"/>
+          <a:lstStyle/>
+          <a:p>
+            <a:endParaRPr lang="en-US"/>
+          </a:p>
+        </p:txBody>
+      </p:sp>
+      <p:sp>
+        <p:nvSpPr>
+          <p:cNvPr id="5" name="Notes Placeholder 4"/>
+          <p:cNvSpPr>
+            <a:spLocks noGrp="1"/>
+          </p:cNvSpPr>
+          <p:nvPr>
+            <p:ph type="body" sz="quarter" idx="3"/>
+          </p:nvPr>
+        </p:nvSpPr>
+        <p:spPr>
+          <a:xfrm>
+            <a:off x="685800" y="4400550"/>
+            <a:ext cx="5486400" cy="3600450"/>
+          </a:xfrm>
+          <a:prstGeom prst="rect">
+            <a:avLst/>
+          </a:prstGeom>
+        </p:spPr>
+        <p:txBody>
+          <a:bodyPr vert="horz" lIns="91440" tIns="45720" rIns="91440" bIns="45720" rtlCol="0"/>
+          <a:lstStyle/>
+          <a:p>
+            <a:pPr lvl="0"/>
+            <a:r>
+              <a:rPr lang="en-US"/>
+              <a:t>Click to edit Master text styles</a:t>
+            </a:r>
+          </a:p>
+          <a:p>
+            <a:pPr lvl="1"/>
+            <a:r>
+              <a:rPr lang="en-US"/>
+              <a:t>Second level</a:t>
+            </a:r>
+          </a:p>
+          <a:p>
+            <a:pPr lvl="2"/>
+            <a:r>
+              <a:rPr lang="en-US"/>
+              <a:t>Third level</a:t>
+            </a:r>
+          </a:p>
+          <a:p>
+            <a:pPr lvl="3"/>
+            <a:r>
+              <a:rPr lang="en-US"/>
+              <a:t>Fourth level</a:t>
+            </a:r>
+          </a:p>
+          <a:p>
+            <a:pPr lvl="4"/>
+            <a:r>
+              <a:rPr lang="en-US"/>
+              <a:t>Fifth level</a:t>
+            </a:r>
+          </a:p>
+        </p:txBody>
+      </p:sp>
+      <p:sp>
+        <p:nvSpPr>
+          <p:cNvPr id="6" name="Footer Placeholder 5"/>
+          <p:cNvSpPr>
+            <a:spLocks noGrp="1"/>
+          </p:cNvSpPr>
+          <p:nvPr>
+            <p:ph type="ftr" sz="quarter" idx="4"/>
+          </p:nvPr>
+        </p:nvSpPr>
+        <p:spPr>
+          <a:xfrm>
+            <a:off x="0" y="8685213"/>
+            <a:ext cx="2971800" cy="458787"/>
+          </a:xfrm>
+          <a:prstGeom prst="rect">
+            <a:avLst/>
+          </a:prstGeom>
+        </p:spPr>
+        <p:txBody>
+          <a:bodyPr vert="horz" lIns="91440" tIns="45720" rIns="91440" bIns="45720" rtlCol="0" anchor="b"/>
+          <a:lstStyle>
+            <a:lvl1pPr algn="l">
+              <a:defRPr sz="1200"/>
+            </a:lvl1pPr>
+          </a:lstStyle>
+          <a:p>
+            <a:endParaRPr lang="en-US"/>
+          </a:p>
+        </p:txBody>
+      </p:sp>
+      <p:sp>
+        <p:nvSpPr>
+          <p:cNvPr id="7" name="Slide Number Placeholder 6"/>
+          <p:cNvSpPr>
+            <a:spLocks noGrp="1"/>
+          </p:cNvSpPr>
+          <p:nvPr>
+            <p:ph type="sldNum" sz="quarter" idx="5"/>
+          </p:nvPr>
+        </p:nvSpPr>
+        <p:spPr>
+          <a:xfrm>
+            <a:off x="3884613" y="8685213"/>
+            <a:ext cx="2971800" cy="458787"/>
+          </a:xfrm>
+          <a:prstGeom prst="rect">
+            <a:avLst/>
+          </a:prstGeom>
+        </p:spPr>
+        <p:txBody>
+          <a:bodyPr vert="horz" lIns="91440" tIns="45720" rIns="91440" bIns="45720" rtlCol="0" anchor="b"/>
+          <a:lstStyle>
+            <a:lvl1pPr algn="r">
+              <a:defRPr sz="1200"/>
+            </a:lvl1pPr>
+          </a:lstStyle>
+          <a:p>
+            <a:fld id="{DFE1A522-C10D-4A19-ABEF-91EC50BF2A2E}" type="slidenum">
+              <a:rPr lang="en-US" smtClean="0"/>
+              <a:t>‹#›</a:t>
+            </a:fld>
+            <a:endParaRPr lang="en-US"/>
+          </a:p>
+        </p:txBody>
+      </p:sp>
+    </p:spTree>
+    <p:extLst>
+      <p:ext uri="{BB962C8B-B14F-4D97-AF65-F5344CB8AC3E}">
+        <p14:creationId xmlns:p14="http://schemas.microsoft.com/office/powerpoint/2010/main" val="1384031269"/>
+      </p:ext>
+    </p:extLst>
+  </p:cSld>
+  <p:clrMap bg1="lt1" tx1="dk1" bg2="lt2" tx2="dk2" accent1="accent1" accent2="accent2" accent3="accent3" accent4="accent4" accent5="accent5" accent6="accent6" hlink="hlink" folHlink="folHlink"/>
+  <p:notesStyle>
+    <a:lvl1pPr marL="0" algn="l" defTabSz="914400" rtl="0" eaLnBrk="1" latinLnBrk="0" hangingPunct="1">
+      <a:defRPr sz="1200" kern="1200">
+        <a:solidFill>
+          <a:schemeClr val="tx1"/>
+        </a:solidFill>
+        <a:latin typeface="+mn-lt"/>
+        <a:ea typeface="+mn-ea"/>
+        <a:cs typeface="+mn-cs"/>
+      </a:defRPr>
+    </a:lvl1pPr>
+    <a:lvl2pPr marL="457200" algn="l" defTabSz="914400" rtl="0" eaLnBrk="1" latinLnBrk="0" hangingPunct="1">
+      <a:defRPr sz="1200" kern="1200">
+        <a:solidFill>
+          <a:schemeClr val="tx1"/>
+        </a:solidFill>
+        <a:latin typeface="+mn-lt"/>
+        <a:ea typeface="+mn-ea"/>
+        <a:cs typeface="+mn-cs"/>
+      </a:defRPr>
+    </a:lvl2pPr>
+    <a:lvl3pPr marL="914400" algn="l" defTabSz="914400" rtl="0" eaLnBrk="1" latinLnBrk="0" hangingPunct="1">
+      <a:defRPr sz="1200" kern="1200">
+        <a:solidFill>
+          <a:schemeClr val="tx1"/>
+        </a:solidFill>
+        <a:latin typeface="+mn-lt"/>
+        <a:ea typeface="+mn-ea"/>
+        <a:cs typeface="+mn-cs"/>
+      </a:defRPr>
+    </a:lvl3pPr>
+    <a:lvl4pPr marL="1371600" algn="l" defTabSz="914400" rtl="0" eaLnBrk="1" latinLnBrk="0" hangingPunct="1">
+      <a:defRPr sz="1200" kern="1200">
+        <a:solidFill>
+          <a:schemeClr val="tx1"/>
+        </a:solidFill>
+        <a:latin typeface="+mn-lt"/>
+        <a:ea typeface="+mn-ea"/>
+        <a:cs typeface="+mn-cs"/>
+      </a:defRPr>
+    </a:lvl4pPr>
+    <a:lvl5pPr marL="1828800" algn="l" defTabSz="914400" rtl="0" eaLnBrk="1" latinLnBrk="0" hangingPunct="1">
+      <a:defRPr sz="1200" kern="1200">
+        <a:solidFill>
+          <a:schemeClr val="tx1"/>
+        </a:solidFill>
+        <a:latin typeface="+mn-lt"/>
+        <a:ea typeface="+mn-ea"/>
+        <a:cs typeface="+mn-cs"/>
+      </a:defRPr>
+    </a:lvl5pPr>
+    <a:lvl6pPr marL="2286000" algn="l" defTabSz="914400" rtl="0" eaLnBrk="1" latinLnBrk="0" hangingPunct="1">
+      <a:defRPr sz="1200" kern="1200">
+        <a:solidFill>
+          <a:schemeClr val="tx1"/>
+        </a:solidFill>
+        <a:latin typeface="+mn-lt"/>
+        <a:ea typeface="+mn-ea"/>
+        <a:cs typeface="+mn-cs"/>
+      </a:defRPr>
+    </a:lvl6pPr>
+    <a:lvl7pPr marL="2743200" algn="l" defTabSz="914400" rtl="0" eaLnBrk="1" latinLnBrk="0" hangingPunct="1">
+      <a:defRPr sz="1200" kern="1200">
+        <a:solidFill>
+          <a:schemeClr val="tx1"/>
+        </a:solidFill>
+        <a:latin typeface="+mn-lt"/>
+        <a:ea typeface="+mn-ea"/>
+        <a:cs typeface="+mn-cs"/>
+      </a:defRPr>
+    </a:lvl7pPr>
+    <a:lvl8pPr marL="3200400" algn="l" defTabSz="914400" rtl="0" eaLnBrk="1" latinLnBrk="0" hangingPunct="1">
+      <a:defRPr sz="1200" kern="1200">
+        <a:solidFill>
+          <a:schemeClr val="tx1"/>
+        </a:solidFill>
+        <a:latin typeface="+mn-lt"/>
+        <a:ea typeface="+mn-ea"/>
+        <a:cs typeface="+mn-cs"/>
+      </a:defRPr>
+    </a:lvl8pPr>
+    <a:lvl9pPr marL="3657600" algn="l" defTabSz="914400" rtl="0" eaLnBrk="1" latinLnBrk="0" hangingPunct="1">
+      <a:defRPr sz="1200" kern="1200">
+        <a:solidFill>
+          <a:schemeClr val="tx1"/>
+        </a:solidFill>
+        <a:latin typeface="+mn-lt"/>
+        <a:ea typeface="+mn-ea"/>
+        <a:cs typeface="+mn-cs"/>
+      </a:defRPr>
+    </a:lvl9pPr>
+  </p:notesStyle>
+</p:notesMaster>
+</file>
+
+<file path=ppt/notesSlides/notesSlide1.xml><?xml version="1.0" encoding="utf-8"?>
+<p:notes xmlns:a="http://schemas.openxmlformats.org/drawingml/2006/main" xmlns:r="http://schemas.openxmlformats.org/officeDocument/2006/relationships" xmlns:p="http://schemas.openxmlformats.org/presentationml/2006/main">
+  <p:cSld>
+    <p:spTree>
+      <p:nvGrpSpPr>
+        <p:cNvPr id="1" name=""/>
+        <p:cNvGrpSpPr/>
+        <p:nvPr/>
+      </p:nvGrpSpPr>
+      <p:grpSpPr>
+        <a:xfrm>
+          <a:off x="0" y="0"/>
+          <a:ext cx="0" cy="0"/>
+          <a:chOff x="0" y="0"/>
+          <a:chExt cx="0" cy="0"/>
+        </a:xfrm>
+      </p:grpSpPr>
+      <p:sp>
+        <p:nvSpPr>
+          <p:cNvPr id="2" name="Slide Image Placeholder 1"/>
+          <p:cNvSpPr>
+            <a:spLocks noGrp="1" noRot="1" noChangeAspect="1"/>
+          </p:cNvSpPr>
+          <p:nvPr>
+            <p:ph type="sldImg"/>
+          </p:nvPr>
+        </p:nvSpPr>
+        <p:spPr/>
+      </p:sp>
+      <p:sp>
+        <p:nvSpPr>
+          <p:cNvPr id="3" name="Notes Placeholder 2"/>
+          <p:cNvSpPr>
+            <a:spLocks noGrp="1"/>
+          </p:cNvSpPr>
+          <p:nvPr>
+            <p:ph type="body" idx="1"/>
+          </p:nvPr>
+        </p:nvSpPr>
+        <p:spPr/>
+        <p:txBody>
+          <a:bodyPr/>
+          <a:lstStyle/>
+          <a:p>
+            <a:r>
+              <a:rPr lang="en-US" dirty="0"/>
+              <a:t>Change the title! Have fun with it.</a:t>
+            </a:r>
+          </a:p>
+        </p:txBody>
+      </p:sp>
+      <p:sp>
+        <p:nvSpPr>
+          <p:cNvPr id="4" name="Slide Number Placeholder 3"/>
+          <p:cNvSpPr>
+            <a:spLocks noGrp="1"/>
+          </p:cNvSpPr>
+          <p:nvPr>
+            <p:ph type="sldNum" sz="quarter" idx="5"/>
+          </p:nvPr>
+        </p:nvSpPr>
+        <p:spPr/>
+        <p:txBody>
+          <a:bodyPr/>
+          <a:lstStyle/>
+          <a:p>
+            <a:fld id="{DFE1A522-C10D-4A19-ABEF-91EC50BF2A2E}" type="slidenum">
+              <a:rPr lang="en-US" smtClean="0"/>
+              <a:t>1</a:t>
+            </a:fld>
+            <a:endParaRPr lang="en-US"/>
+          </a:p>
+        </p:txBody>
+      </p:sp>
+    </p:spTree>
+    <p:extLst>
+      <p:ext uri="{BB962C8B-B14F-4D97-AF65-F5344CB8AC3E}">
+        <p14:creationId xmlns:p14="http://schemas.microsoft.com/office/powerpoint/2010/main" val="2847933668"/>
+      </p:ext>
+    </p:extLst>
+  </p:cSld>
+  <p:clrMapOvr>
+    <a:masterClrMapping/>
+  </p:clrMapOvr>
+</p:notes>
+</file>
+
+<file path=ppt/notesSlides/notesSlide2.xml><?xml version="1.0" encoding="utf-8"?>
+<p:notes xmlns:a="http://schemas.openxmlformats.org/drawingml/2006/main" xmlns:r="http://schemas.openxmlformats.org/officeDocument/2006/relationships" xmlns:p="http://schemas.openxmlformats.org/presentationml/2006/main">
+  <p:cSld>
+    <p:spTree>
+      <p:nvGrpSpPr>
+        <p:cNvPr id="1" name=""/>
+        <p:cNvGrpSpPr/>
+        <p:nvPr/>
+      </p:nvGrpSpPr>
+      <p:grpSpPr>
+        <a:xfrm>
+          <a:off x="0" y="0"/>
+          <a:ext cx="0" cy="0"/>
+          <a:chOff x="0" y="0"/>
+          <a:chExt cx="0" cy="0"/>
+        </a:xfrm>
+      </p:grpSpPr>
+      <p:sp>
+        <p:nvSpPr>
+          <p:cNvPr id="2" name="Slide Image Placeholder 1"/>
+          <p:cNvSpPr>
+            <a:spLocks noGrp="1" noRot="1" noChangeAspect="1"/>
+          </p:cNvSpPr>
+          <p:nvPr>
+            <p:ph type="sldImg"/>
+          </p:nvPr>
+        </p:nvSpPr>
+        <p:spPr/>
+      </p:sp>
+      <p:sp>
+        <p:nvSpPr>
+          <p:cNvPr id="3" name="Notes Placeholder 2"/>
+          <p:cNvSpPr>
+            <a:spLocks noGrp="1"/>
+          </p:cNvSpPr>
+          <p:nvPr>
+            <p:ph type="body" idx="1"/>
+          </p:nvPr>
+        </p:nvSpPr>
+        <p:spPr/>
+        <p:txBody>
+          <a:bodyPr/>
+          <a:lstStyle/>
+          <a:p>
+            <a:r>
+              <a:rPr lang="en-US" dirty="0"/>
+              <a:t>Take out the 80%.</a:t>
+            </a:r>
+          </a:p>
+        </p:txBody>
+      </p:sp>
+      <p:sp>
+        <p:nvSpPr>
+          <p:cNvPr id="4" name="Slide Number Placeholder 3"/>
+          <p:cNvSpPr>
+            <a:spLocks noGrp="1"/>
+          </p:cNvSpPr>
+          <p:nvPr>
+            <p:ph type="sldNum" sz="quarter" idx="5"/>
+          </p:nvPr>
+        </p:nvSpPr>
+        <p:spPr/>
+        <p:txBody>
+          <a:bodyPr/>
+          <a:lstStyle/>
+          <a:p>
+            <a:fld id="{DFE1A522-C10D-4A19-ABEF-91EC50BF2A2E}" type="slidenum">
+              <a:rPr lang="en-US" smtClean="0"/>
+              <a:t>2</a:t>
+            </a:fld>
+            <a:endParaRPr lang="en-US"/>
+          </a:p>
+        </p:txBody>
+      </p:sp>
+    </p:spTree>
+    <p:extLst>
+      <p:ext uri="{BB962C8B-B14F-4D97-AF65-F5344CB8AC3E}">
+        <p14:creationId xmlns:p14="http://schemas.microsoft.com/office/powerpoint/2010/main" val="1943586839"/>
+      </p:ext>
+    </p:extLst>
+  </p:cSld>
+  <p:clrMapOvr>
+    <a:masterClrMapping/>
+  </p:clrMapOvr>
+</p:notes>
+</file>
+
+<file path=ppt/notesSlides/notesSlide3.xml><?xml version="1.0" encoding="utf-8"?>
+<p:notes xmlns:a="http://schemas.openxmlformats.org/drawingml/2006/main" xmlns:r="http://schemas.openxmlformats.org/officeDocument/2006/relationships" xmlns:p="http://schemas.openxmlformats.org/presentationml/2006/main">
+  <p:cSld>
+    <p:spTree>
+      <p:nvGrpSpPr>
+        <p:cNvPr id="1" name=""/>
+        <p:cNvGrpSpPr/>
+        <p:nvPr/>
+      </p:nvGrpSpPr>
+      <p:grpSpPr>
+        <a:xfrm>
+          <a:off x="0" y="0"/>
+          <a:ext cx="0" cy="0"/>
+          <a:chOff x="0" y="0"/>
+          <a:chExt cx="0" cy="0"/>
+        </a:xfrm>
+      </p:grpSpPr>
+      <p:sp>
+        <p:nvSpPr>
+          <p:cNvPr id="2" name="Slide Image Placeholder 1"/>
+          <p:cNvSpPr>
+            <a:spLocks noGrp="1" noRot="1" noChangeAspect="1"/>
+          </p:cNvSpPr>
+          <p:nvPr>
+            <p:ph type="sldImg"/>
+          </p:nvPr>
+        </p:nvSpPr>
+        <p:spPr/>
+      </p:sp>
+      <p:sp>
+        <p:nvSpPr>
+          <p:cNvPr id="3" name="Notes Placeholder 2"/>
+          <p:cNvSpPr>
+            <a:spLocks noGrp="1"/>
+          </p:cNvSpPr>
+          <p:nvPr>
+            <p:ph type="body" idx="1"/>
+          </p:nvPr>
+        </p:nvSpPr>
+        <p:spPr/>
+        <p:txBody>
+          <a:bodyPr/>
+          <a:lstStyle/>
+          <a:p>
+            <a:r>
+              <a:rPr lang="en-US" dirty="0"/>
+              <a:t>Filling values isn’t </a:t>
+            </a:r>
+            <a:r>
+              <a:rPr lang="en-US"/>
+              <a:t>completely necessary</a:t>
+            </a:r>
+          </a:p>
+        </p:txBody>
+      </p:sp>
+      <p:sp>
+        <p:nvSpPr>
+          <p:cNvPr id="4" name="Slide Number Placeholder 3"/>
+          <p:cNvSpPr>
+            <a:spLocks noGrp="1"/>
+          </p:cNvSpPr>
+          <p:nvPr>
+            <p:ph type="sldNum" sz="quarter" idx="5"/>
+          </p:nvPr>
+        </p:nvSpPr>
+        <p:spPr/>
+        <p:txBody>
+          <a:bodyPr/>
+          <a:lstStyle/>
+          <a:p>
+            <a:fld id="{DFE1A522-C10D-4A19-ABEF-91EC50BF2A2E}" type="slidenum">
+              <a:rPr lang="en-US" smtClean="0"/>
+              <a:t>4</a:t>
+            </a:fld>
+            <a:endParaRPr lang="en-US"/>
+          </a:p>
+        </p:txBody>
+      </p:sp>
+    </p:spTree>
+    <p:extLst>
+      <p:ext uri="{BB962C8B-B14F-4D97-AF65-F5344CB8AC3E}">
+        <p14:creationId xmlns:p14="http://schemas.microsoft.com/office/powerpoint/2010/main" val="738676182"/>
+      </p:ext>
+    </p:extLst>
+  </p:cSld>
+  <p:clrMapOvr>
+    <a:masterClrMapping/>
+  </p:clrMapOvr>
+</p:notes>
+</file>
+
+<file path=ppt/notesSlides/notesSlide4.xml><?xml version="1.0" encoding="utf-8"?>
+<p:notes xmlns:a="http://schemas.openxmlformats.org/drawingml/2006/main" xmlns:r="http://schemas.openxmlformats.org/officeDocument/2006/relationships" xmlns:p="http://schemas.openxmlformats.org/presentationml/2006/main">
+  <p:cSld>
+    <p:spTree>
+      <p:nvGrpSpPr>
+        <p:cNvPr id="1" name=""/>
+        <p:cNvGrpSpPr/>
+        <p:nvPr/>
+      </p:nvGrpSpPr>
+      <p:grpSpPr>
+        <a:xfrm>
+          <a:off x="0" y="0"/>
+          <a:ext cx="0" cy="0"/>
+          <a:chOff x="0" y="0"/>
+          <a:chExt cx="0" cy="0"/>
+        </a:xfrm>
+      </p:grpSpPr>
+      <p:sp>
+        <p:nvSpPr>
+          <p:cNvPr id="2" name="Slide Image Placeholder 1"/>
+          <p:cNvSpPr>
+            <a:spLocks noGrp="1" noRot="1" noChangeAspect="1"/>
+          </p:cNvSpPr>
+          <p:nvPr>
+            <p:ph type="sldImg"/>
+          </p:nvPr>
+        </p:nvSpPr>
+        <p:spPr/>
+      </p:sp>
+      <p:sp>
+        <p:nvSpPr>
+          <p:cNvPr id="3" name="Notes Placeholder 2"/>
+          <p:cNvSpPr>
+            <a:spLocks noGrp="1"/>
+          </p:cNvSpPr>
+          <p:nvPr>
+            <p:ph type="body" idx="1"/>
+          </p:nvPr>
+        </p:nvSpPr>
+        <p:spPr/>
+        <p:txBody>
+          <a:bodyPr/>
+          <a:lstStyle/>
+          <a:p>
+            <a:r>
+              <a:rPr lang="en-US" dirty="0"/>
+              <a:t>Add actionable recommendations and info about </a:t>
+            </a:r>
+            <a:r>
+              <a:rPr lang="en-US" dirty="0" err="1"/>
+              <a:t>coeff</a:t>
+            </a:r>
+            <a:endParaRPr lang="en-US" dirty="0"/>
+          </a:p>
+        </p:txBody>
+      </p:sp>
+      <p:sp>
+        <p:nvSpPr>
+          <p:cNvPr id="4" name="Slide Number Placeholder 3"/>
+          <p:cNvSpPr>
+            <a:spLocks noGrp="1"/>
+          </p:cNvSpPr>
+          <p:nvPr>
+            <p:ph type="sldNum" sz="quarter" idx="5"/>
+          </p:nvPr>
+        </p:nvSpPr>
+        <p:spPr/>
+        <p:txBody>
+          <a:bodyPr/>
+          <a:lstStyle/>
+          <a:p>
+            <a:fld id="{DFE1A522-C10D-4A19-ABEF-91EC50BF2A2E}" type="slidenum">
+              <a:rPr lang="en-US" smtClean="0"/>
+              <a:t>7</a:t>
+            </a:fld>
+            <a:endParaRPr lang="en-US"/>
+          </a:p>
+        </p:txBody>
+      </p:sp>
+    </p:spTree>
+    <p:extLst>
+      <p:ext uri="{BB962C8B-B14F-4D97-AF65-F5344CB8AC3E}">
+        <p14:creationId xmlns:p14="http://schemas.microsoft.com/office/powerpoint/2010/main" val="940449442"/>
+      </p:ext>
+    </p:extLst>
+  </p:cSld>
+  <p:clrMapOvr>
+    <a:masterClrMapping/>
+  </p:clrMapOvr>
+</p:notes>
 </file>
 
 <file path=ppt/slideLayouts/slideLayout1.xml><?xml version="1.0" encoding="utf-8"?>
@@ -278,7 +992,7 @@
           <a:p>
             <a:fld id="{D4A213A3-10E9-421F-81BE-56E0786AB515}" type="datetime2">
               <a:rPr lang="en-US" smtClean="0"/>
-              <a:t>Monday, April 27, 2020</a:t>
+              <a:t>Saturday, May 2, 2020</a:t>
             </a:fld>
             <a:endParaRPr lang="en-US"/>
           </a:p>
@@ -476,7 +1190,7 @@
           <a:p>
             <a:fld id="{3D5DABC0-2199-478F-BA77-33A651B6CB89}" type="datetime2">
               <a:rPr lang="en-US" smtClean="0"/>
-              <a:t>Monday, April 27, 2020</a:t>
+              <a:t>Saturday, May 2, 2020</a:t>
             </a:fld>
             <a:endParaRPr lang="en-US"/>
           </a:p>
@@ -685,7 +1399,7 @@
           <a:p>
             <a:fld id="{D72230C6-DF61-47F4-B8C5-1B70E884BF06}" type="datetime2">
               <a:rPr lang="en-US" smtClean="0"/>
-              <a:t>Monday, April 27, 2020</a:t>
+              <a:t>Saturday, May 2, 2020</a:t>
             </a:fld>
             <a:endParaRPr lang="en-US"/>
           </a:p>
@@ -895,7 +1609,7 @@
           <a:p>
             <a:fld id="{6B12B50C-7EEE-46CD-BAF7-BBC4026D959A}" type="datetime2">
               <a:rPr lang="en-US" smtClean="0"/>
-              <a:t>Monday, April 27, 2020</a:t>
+              <a:t>Saturday, May 2, 2020</a:t>
             </a:fld>
             <a:endParaRPr lang="en-US"/>
           </a:p>
@@ -1175,7 +1889,7 @@
           <a:p>
             <a:fld id="{8D4211C4-AE09-4254-A5E3-6DA9B099C971}" type="datetime2">
               <a:rPr lang="en-US" smtClean="0"/>
-              <a:t>Monday, April 27, 2020</a:t>
+              <a:t>Saturday, May 2, 2020</a:t>
             </a:fld>
             <a:endParaRPr lang="en-US"/>
           </a:p>
@@ -1454,7 +2168,7 @@
           <a:p>
             <a:fld id="{681742C3-E082-4760-93B2-E209268DD00C}" type="datetime2">
               <a:rPr lang="en-US" smtClean="0"/>
-              <a:t>Monday, April 27, 2020</a:t>
+              <a:t>Saturday, May 2, 2020</a:t>
             </a:fld>
             <a:endParaRPr lang="en-US"/>
           </a:p>
@@ -1875,7 +2589,7 @@
           <a:p>
             <a:fld id="{3B6FC950-F824-48B9-B984-CAEE265865E5}" type="datetime2">
               <a:rPr lang="en-US" smtClean="0"/>
-              <a:t>Monday, April 27, 2020</a:t>
+              <a:t>Saturday, May 2, 2020</a:t>
             </a:fld>
             <a:endParaRPr lang="en-US"/>
           </a:p>
@@ -2028,7 +2742,7 @@
           <a:p>
             <a:fld id="{BC8E3A0F-68E7-4D17-BB84-ED1BA4F6AC6B}" type="datetime2">
               <a:rPr lang="en-US" smtClean="0"/>
-              <a:t>Monday, April 27, 2020</a:t>
+              <a:t>Saturday, May 2, 2020</a:t>
             </a:fld>
             <a:endParaRPr lang="en-US"/>
           </a:p>
@@ -2141,7 +2855,7 @@
           <a:p>
             <a:fld id="{EDB7BC4F-EDA1-4BA2-BFF3-FE5B31CCB58B}" type="datetime2">
               <a:rPr lang="en-US" smtClean="0"/>
-              <a:t>Monday, April 27, 2020</a:t>
+              <a:t>Saturday, May 2, 2020</a:t>
             </a:fld>
             <a:endParaRPr lang="en-US"/>
           </a:p>
@@ -2455,7 +3169,7 @@
           <a:p>
             <a:fld id="{3AAE694C-1394-4838-A564-7380835C2E77}" type="datetime2">
               <a:rPr lang="en-US" smtClean="0"/>
-              <a:t>Monday, April 27, 2020</a:t>
+              <a:t>Saturday, May 2, 2020</a:t>
             </a:fld>
             <a:endParaRPr lang="en-US"/>
           </a:p>
@@ -2748,7 +3462,7 @@
           <a:p>
             <a:fld id="{CAB84B19-1A00-4EDB-8425-E1827A377364}" type="datetime2">
               <a:rPr lang="en-US" smtClean="0"/>
-              <a:t>Monday, April 27, 2020</a:t>
+              <a:t>Saturday, May 2, 2020</a:t>
             </a:fld>
             <a:endParaRPr lang="en-US"/>
           </a:p>
@@ -3117,7 +3831,7 @@
           <a:p>
             <a:fld id="{10076A27-8146-4F75-9851-A83577C6FD8A}" type="datetime2">
               <a:rPr lang="en-US" smtClean="0"/>
-              <a:t>Monday, April 27, 2020</a:t>
+              <a:t>Saturday, May 2, 2020</a:t>
             </a:fld>
             <a:endParaRPr lang="en-US"/>
           </a:p>
@@ -3555,7 +4269,7 @@
           <p:nvPr/>
         </p:nvPicPr>
         <p:blipFill rotWithShape="1">
-          <a:blip r:embed="rId2"/>
+          <a:blip r:embed="rId3"/>
           <a:srcRect t="24013" r="1" b="1"/>
           <a:stretch/>
         </p:blipFill>
@@ -4692,7 +5406,7 @@
           <p:nvPr/>
         </p:nvPicPr>
         <p:blipFill>
-          <a:blip r:embed="rId2"/>
+          <a:blip r:embed="rId3"/>
           <a:stretch>
             <a:fillRect/>
           </a:stretch>
@@ -5226,15 +5940,6 @@
           <a:effectLst>
             <a:reflection blurRad="12700" stA="38000" endPos="28000" dist="5000" dir="5400000" sy="-100000" algn="bl" rotWithShape="0"/>
           </a:effectLst>
-          <a:extLst>
-            <a:ext uri="{909E8E84-426E-40DD-AFC4-6F175D3DCCD1}">
-              <a14:hiddenFill xmlns:a14="http://schemas.microsoft.com/office/drawing/2010/main">
-                <a:solidFill>
-                  <a:srgbClr val="FFFFFF"/>
-                </a:solidFill>
-              </a14:hiddenFill>
-            </a:ext>
-          </a:extLst>
         </p:spPr>
       </p:pic>
     </p:spTree>
@@ -5398,15 +6103,6 @@
           <a:effectLst>
             <a:reflection blurRad="12700" stA="38000" endPos="28000" dist="5000" dir="5400000" sy="-100000" algn="bl" rotWithShape="0"/>
           </a:effectLst>
-          <a:extLst>
-            <a:ext uri="{909E8E84-426E-40DD-AFC4-6F175D3DCCD1}">
-              <a14:hiddenFill xmlns:a14="http://schemas.microsoft.com/office/drawing/2010/main">
-                <a:solidFill>
-                  <a:srgbClr val="FFFFFF"/>
-                </a:solidFill>
-              </a14:hiddenFill>
-            </a:ext>
-          </a:extLst>
         </p:spPr>
       </p:pic>
     </p:spTree>
@@ -5544,7 +6240,7 @@
           <p:nvPr/>
         </p:nvPicPr>
         <p:blipFill>
-          <a:blip r:embed="rId2">
+          <a:blip r:embed="rId3">
             <a:extLst>
               <a:ext uri="{28A0092B-C50C-407E-A947-70E740481C1C}">
                 <a14:useLocalDpi xmlns:a14="http://schemas.microsoft.com/office/drawing/2010/main" val="0"/>
@@ -5577,15 +6273,6 @@
           <a:effectLst>
             <a:reflection blurRad="12700" stA="38000" endPos="28000" dist="5000" dir="5400000" sy="-100000" algn="bl" rotWithShape="0"/>
           </a:effectLst>
-          <a:extLst>
-            <a:ext uri="{909E8E84-426E-40DD-AFC4-6F175D3DCCD1}">
-              <a14:hiddenFill xmlns:a14="http://schemas.microsoft.com/office/drawing/2010/main">
-                <a:solidFill>
-                  <a:srgbClr val="FFFFFF"/>
-                </a:solidFill>
-              </a14:hiddenFill>
-            </a:ext>
-          </a:extLst>
         </p:spPr>
       </p:pic>
     </p:spTree>
@@ -6079,4 +6766,299 @@
     </a:ext>
   </a:extLst>
 </a:theme>
+</file>
+
+<file path=ppt/theme/theme2.xml><?xml version="1.0" encoding="utf-8"?>
+<a:theme xmlns:a="http://schemas.openxmlformats.org/drawingml/2006/main" name="Office Theme">
+  <a:themeElements>
+    <a:clrScheme name="Office">
+      <a:dk1>
+        <a:sysClr val="windowText" lastClr="000000"/>
+      </a:dk1>
+      <a:lt1>
+        <a:sysClr val="window" lastClr="FFFFFF"/>
+      </a:lt1>
+      <a:dk2>
+        <a:srgbClr val="44546A"/>
+      </a:dk2>
+      <a:lt2>
+        <a:srgbClr val="E7E6E6"/>
+      </a:lt2>
+      <a:accent1>
+        <a:srgbClr val="4472C4"/>
+      </a:accent1>
+      <a:accent2>
+        <a:srgbClr val="ED7D31"/>
+      </a:accent2>
+      <a:accent3>
+        <a:srgbClr val="A5A5A5"/>
+      </a:accent3>
+      <a:accent4>
+        <a:srgbClr val="FFC000"/>
+      </a:accent4>
+      <a:accent5>
+        <a:srgbClr val="5B9BD5"/>
+      </a:accent5>
+      <a:accent6>
+        <a:srgbClr val="70AD47"/>
+      </a:accent6>
+      <a:hlink>
+        <a:srgbClr val="0563C1"/>
+      </a:hlink>
+      <a:folHlink>
+        <a:srgbClr val="954F72"/>
+      </a:folHlink>
+    </a:clrScheme>
+    <a:fontScheme name="Office">
+      <a:majorFont>
+        <a:latin typeface="Calibri Light" panose="020F0302020204030204"/>
+        <a:ea typeface=""/>
+        <a:cs typeface=""/>
+        <a:font script="Jpan" typeface="游ゴシック Light"/>
+        <a:font script="Hang" typeface="맑은 고딕"/>
+        <a:font script="Hans" typeface="等线 Light"/>
+        <a:font script="Hant" typeface="新細明體"/>
+        <a:font script="Arab" typeface="Times New Roman"/>
+        <a:font script="Hebr" typeface="Times New Roman"/>
+        <a:font script="Thai" typeface="Angsana New"/>
+        <a:font script="Ethi" typeface="Nyala"/>
+        <a:font script="Beng" typeface="Vrinda"/>
+        <a:font script="Gujr" typeface="Shruti"/>
+        <a:font script="Khmr" typeface="MoolBoran"/>
+        <a:font script="Knda" typeface="Tunga"/>
+        <a:font script="Guru" typeface="Raavi"/>
+        <a:font script="Cans" typeface="Euphemia"/>
+        <a:font script="Cher" typeface="Plantagenet Cherokee"/>
+        <a:font script="Yiii" typeface="Microsoft Yi Baiti"/>
+        <a:font script="Tibt" typeface="Microsoft Himalaya"/>
+        <a:font script="Thaa" typeface="MV Boli"/>
+        <a:font script="Deva" typeface="Mangal"/>
+        <a:font script="Telu" typeface="Gautami"/>
+        <a:font script="Taml" typeface="Latha"/>
+        <a:font script="Syrc" typeface="Estrangelo Edessa"/>
+        <a:font script="Orya" typeface="Kalinga"/>
+        <a:font script="Mlym" typeface="Kartika"/>
+        <a:font script="Laoo" typeface="DokChampa"/>
+        <a:font script="Sinh" typeface="Iskoola Pota"/>
+        <a:font script="Mong" typeface="Mongolian Baiti"/>
+        <a:font script="Viet" typeface="Times New Roman"/>
+        <a:font script="Uigh" typeface="Microsoft Uighur"/>
+        <a:font script="Geor" typeface="Sylfaen"/>
+        <a:font script="Armn" typeface="Arial"/>
+        <a:font script="Bugi" typeface="Leelawadee UI"/>
+        <a:font script="Bopo" typeface="Microsoft JhengHei"/>
+        <a:font script="Java" typeface="Javanese Text"/>
+        <a:font script="Lisu" typeface="Segoe UI"/>
+        <a:font script="Mymr" typeface="Myanmar Text"/>
+        <a:font script="Nkoo" typeface="Ebrima"/>
+        <a:font script="Olck" typeface="Nirmala UI"/>
+        <a:font script="Osma" typeface="Ebrima"/>
+        <a:font script="Phag" typeface="Phagspa"/>
+        <a:font script="Syrn" typeface="Estrangelo Edessa"/>
+        <a:font script="Syrj" typeface="Estrangelo Edessa"/>
+        <a:font script="Syre" typeface="Estrangelo Edessa"/>
+        <a:font script="Sora" typeface="Nirmala UI"/>
+        <a:font script="Tale" typeface="Microsoft Tai Le"/>
+        <a:font script="Talu" typeface="Microsoft New Tai Lue"/>
+        <a:font script="Tfng" typeface="Ebrima"/>
+      </a:majorFont>
+      <a:minorFont>
+        <a:latin typeface="Calibri" panose="020F0502020204030204"/>
+        <a:ea typeface=""/>
+        <a:cs typeface=""/>
+        <a:font script="Jpan" typeface="游ゴシック"/>
+        <a:font script="Hang" typeface="맑은 고딕"/>
+        <a:font script="Hans" typeface="等线"/>
+        <a:font script="Hant" typeface="新細明體"/>
+        <a:font script="Arab" typeface="Arial"/>
+        <a:font script="Hebr" typeface="Arial"/>
+        <a:font script="Thai" typeface="Cordia New"/>
+        <a:font script="Ethi" typeface="Nyala"/>
+        <a:font script="Beng" typeface="Vrinda"/>
+        <a:font script="Gujr" typeface="Shruti"/>
+        <a:font script="Khmr" typeface="DaunPenh"/>
+        <a:font script="Knda" typeface="Tunga"/>
+        <a:font script="Guru" typeface="Raavi"/>
+        <a:font script="Cans" typeface="Euphemia"/>
+        <a:font script="Cher" typeface="Plantagenet Cherokee"/>
+        <a:font script="Yiii" typeface="Microsoft Yi Baiti"/>
+        <a:font script="Tibt" typeface="Microsoft Himalaya"/>
+        <a:font script="Thaa" typeface="MV Boli"/>
+        <a:font script="Deva" typeface="Mangal"/>
+        <a:font script="Telu" typeface="Gautami"/>
+        <a:font script="Taml" typeface="Latha"/>
+        <a:font script="Syrc" typeface="Estrangelo Edessa"/>
+        <a:font script="Orya" typeface="Kalinga"/>
+        <a:font script="Mlym" typeface="Kartika"/>
+        <a:font script="Laoo" typeface="DokChampa"/>
+        <a:font script="Sinh" typeface="Iskoola Pota"/>
+        <a:font script="Mong" typeface="Mongolian Baiti"/>
+        <a:font script="Viet" typeface="Arial"/>
+        <a:font script="Uigh" typeface="Microsoft Uighur"/>
+        <a:font script="Geor" typeface="Sylfaen"/>
+        <a:font script="Armn" typeface="Arial"/>
+        <a:font script="Bugi" typeface="Leelawadee UI"/>
+        <a:font script="Bopo" typeface="Microsoft JhengHei"/>
+        <a:font script="Java" typeface="Javanese Text"/>
+        <a:font script="Lisu" typeface="Segoe UI"/>
+        <a:font script="Mymr" typeface="Myanmar Text"/>
+        <a:font script="Nkoo" typeface="Ebrima"/>
+        <a:font script="Olck" typeface="Nirmala UI"/>
+        <a:font script="Osma" typeface="Ebrima"/>
+        <a:font script="Phag" typeface="Phagspa"/>
+        <a:font script="Syrn" typeface="Estrangelo Edessa"/>
+        <a:font script="Syrj" typeface="Estrangelo Edessa"/>
+        <a:font script="Syre" typeface="Estrangelo Edessa"/>
+        <a:font script="Sora" typeface="Nirmala UI"/>
+        <a:font script="Tale" typeface="Microsoft Tai Le"/>
+        <a:font script="Talu" typeface="Microsoft New Tai Lue"/>
+        <a:font script="Tfng" typeface="Ebrima"/>
+      </a:minorFont>
+    </a:fontScheme>
+    <a:fmtScheme name="Office">
+      <a:fillStyleLst>
+        <a:solidFill>
+          <a:schemeClr val="phClr"/>
+        </a:solidFill>
+        <a:gradFill rotWithShape="1">
+          <a:gsLst>
+            <a:gs pos="0">
+              <a:schemeClr val="phClr">
+                <a:lumMod val="110000"/>
+                <a:satMod val="105000"/>
+                <a:tint val="67000"/>
+              </a:schemeClr>
+            </a:gs>
+            <a:gs pos="50000">
+              <a:schemeClr val="phClr">
+                <a:lumMod val="105000"/>
+                <a:satMod val="103000"/>
+                <a:tint val="73000"/>
+              </a:schemeClr>
+            </a:gs>
+            <a:gs pos="100000">
+              <a:schemeClr val="phClr">
+                <a:lumMod val="105000"/>
+                <a:satMod val="109000"/>
+                <a:tint val="81000"/>
+              </a:schemeClr>
+            </a:gs>
+          </a:gsLst>
+          <a:lin ang="5400000" scaled="0"/>
+        </a:gradFill>
+        <a:gradFill rotWithShape="1">
+          <a:gsLst>
+            <a:gs pos="0">
+              <a:schemeClr val="phClr">
+                <a:satMod val="103000"/>
+                <a:lumMod val="102000"/>
+                <a:tint val="94000"/>
+              </a:schemeClr>
+            </a:gs>
+            <a:gs pos="50000">
+              <a:schemeClr val="phClr">
+                <a:satMod val="110000"/>
+                <a:lumMod val="100000"/>
+                <a:shade val="100000"/>
+              </a:schemeClr>
+            </a:gs>
+            <a:gs pos="100000">
+              <a:schemeClr val="phClr">
+                <a:lumMod val="99000"/>
+                <a:satMod val="120000"/>
+                <a:shade val="78000"/>
+              </a:schemeClr>
+            </a:gs>
+          </a:gsLst>
+          <a:lin ang="5400000" scaled="0"/>
+        </a:gradFill>
+      </a:fillStyleLst>
+      <a:lnStyleLst>
+        <a:ln w="6350" cap="flat" cmpd="sng" algn="ctr">
+          <a:solidFill>
+            <a:schemeClr val="phClr"/>
+          </a:solidFill>
+          <a:prstDash val="solid"/>
+          <a:miter lim="800000"/>
+        </a:ln>
+        <a:ln w="12700" cap="flat" cmpd="sng" algn="ctr">
+          <a:solidFill>
+            <a:schemeClr val="phClr"/>
+          </a:solidFill>
+          <a:prstDash val="solid"/>
+          <a:miter lim="800000"/>
+        </a:ln>
+        <a:ln w="19050" cap="flat" cmpd="sng" algn="ctr">
+          <a:solidFill>
+            <a:schemeClr val="phClr"/>
+          </a:solidFill>
+          <a:prstDash val="solid"/>
+          <a:miter lim="800000"/>
+        </a:ln>
+      </a:lnStyleLst>
+      <a:effectStyleLst>
+        <a:effectStyle>
+          <a:effectLst/>
+        </a:effectStyle>
+        <a:effectStyle>
+          <a:effectLst/>
+        </a:effectStyle>
+        <a:effectStyle>
+          <a:effectLst>
+            <a:outerShdw blurRad="57150" dist="19050" dir="5400000" algn="ctr" rotWithShape="0">
+              <a:srgbClr val="000000">
+                <a:alpha val="63000"/>
+              </a:srgbClr>
+            </a:outerShdw>
+          </a:effectLst>
+        </a:effectStyle>
+      </a:effectStyleLst>
+      <a:bgFillStyleLst>
+        <a:solidFill>
+          <a:schemeClr val="phClr"/>
+        </a:solidFill>
+        <a:solidFill>
+          <a:schemeClr val="phClr">
+            <a:tint val="95000"/>
+            <a:satMod val="170000"/>
+          </a:schemeClr>
+        </a:solidFill>
+        <a:gradFill rotWithShape="1">
+          <a:gsLst>
+            <a:gs pos="0">
+              <a:schemeClr val="phClr">
+                <a:tint val="93000"/>
+                <a:satMod val="150000"/>
+                <a:shade val="98000"/>
+                <a:lumMod val="102000"/>
+              </a:schemeClr>
+            </a:gs>
+            <a:gs pos="50000">
+              <a:schemeClr val="phClr">
+                <a:tint val="98000"/>
+                <a:satMod val="130000"/>
+                <a:shade val="90000"/>
+                <a:lumMod val="103000"/>
+              </a:schemeClr>
+            </a:gs>
+            <a:gs pos="100000">
+              <a:schemeClr val="phClr">
+                <a:shade val="63000"/>
+                <a:satMod val="120000"/>
+              </a:schemeClr>
+            </a:gs>
+          </a:gsLst>
+          <a:lin ang="5400000" scaled="0"/>
+        </a:gradFill>
+      </a:bgFillStyleLst>
+    </a:fmtScheme>
+  </a:themeElements>
+  <a:objectDefaults/>
+  <a:extraClrSchemeLst/>
+  <a:extLst>
+    <a:ext uri="{05A4C25C-085E-4340-85A3-A5531E510DB2}">
+      <thm15:themeFamily xmlns:thm15="http://schemas.microsoft.com/office/thememl/2012/main" name="Office Theme" id="{62F939B6-93AF-4DB8-9C6B-D6C7DFDC589F}" vid="{4A3C46E8-61CC-4603-A589-7422A47A8E4A}"/>
+    </a:ext>
+  </a:extLst>
+</a:theme>
 </file>
--- a/Mod3.2_Proj_Exec.pptx
+++ b/Mod3.2_Proj_Exec.pptx
@@ -5,7 +5,7 @@
     <p:sldMasterId id="2147483712" r:id="rId1"/>
   </p:sldMasterIdLst>
   <p:notesMasterIdLst>
-    <p:notesMasterId r:id="rId11"/>
+    <p:notesMasterId r:id="rId12"/>
   </p:notesMasterIdLst>
   <p:sldIdLst>
     <p:sldId id="256" r:id="rId2"/>
@@ -14,9 +14,10 @@
     <p:sldId id="259" r:id="rId5"/>
     <p:sldId id="260" r:id="rId6"/>
     <p:sldId id="261" r:id="rId7"/>
-    <p:sldId id="262" r:id="rId8"/>
-    <p:sldId id="263" r:id="rId9"/>
-    <p:sldId id="264" r:id="rId10"/>
+    <p:sldId id="265" r:id="rId8"/>
+    <p:sldId id="262" r:id="rId9"/>
+    <p:sldId id="263" r:id="rId10"/>
+    <p:sldId id="264" r:id="rId11"/>
   </p:sldIdLst>
   <p:sldSz cx="12192000" cy="6858000"/>
   <p:notesSz cx="6858000" cy="9144000"/>
@@ -205,7 +206,7 @@
           <a:p>
             <a:fld id="{9F244271-1F2C-4D6E-B0F6-340CEEEE1773}" type="datetimeFigureOut">
               <a:rPr lang="en-US" smtClean="0"/>
-              <a:t>5/2/2020</a:t>
+              <a:t>5/7/2020</a:t>
             </a:fld>
             <a:endParaRPr lang="en-US"/>
           </a:p>
@@ -516,10 +517,7 @@
           <a:bodyPr/>
           <a:lstStyle/>
           <a:p>
-            <a:r>
-              <a:rPr lang="en-US" dirty="0"/>
-              <a:t>Change the title! Have fun with it.</a:t>
-            </a:r>
+            <a:endParaRPr lang="en-US" dirty="0"/>
           </a:p>
         </p:txBody>
       </p:sp>
@@ -690,14 +688,7 @@
           <a:bodyPr/>
           <a:lstStyle/>
           <a:p>
-            <a:r>
-              <a:rPr lang="en-US" dirty="0"/>
-              <a:t>Filling values isn’t </a:t>
-            </a:r>
-            <a:r>
-              <a:rPr lang="en-US"/>
-              <a:t>completely necessary</a:t>
-            </a:r>
+            <a:endParaRPr lang="en-US" dirty="0"/>
           </a:p>
         </p:txBody>
       </p:sp>
@@ -783,6 +774,101 @@
           <a:p>
             <a:r>
               <a:rPr lang="en-US" dirty="0"/>
+              <a:t>Think of </a:t>
+            </a:r>
+            <a:r>
+              <a:rPr lang="en-US" dirty="0" err="1"/>
+              <a:t>logreg</a:t>
+            </a:r>
+            <a:r>
+              <a:rPr lang="en-US" dirty="0"/>
+              <a:t> as a ‘simple’ function that has multiple coefficients that result in a value between 0 and 1. The value more or less represents the probability that the input falls into the positive category.</a:t>
+            </a:r>
+          </a:p>
+        </p:txBody>
+      </p:sp>
+      <p:sp>
+        <p:nvSpPr>
+          <p:cNvPr id="4" name="Slide Number Placeholder 3"/>
+          <p:cNvSpPr>
+            <a:spLocks noGrp="1"/>
+          </p:cNvSpPr>
+          <p:nvPr>
+            <p:ph type="sldNum" sz="quarter" idx="5"/>
+          </p:nvPr>
+        </p:nvSpPr>
+        <p:spPr/>
+        <p:txBody>
+          <a:bodyPr/>
+          <a:lstStyle/>
+          <a:p>
+            <a:fld id="{DFE1A522-C10D-4A19-ABEF-91EC50BF2A2E}" type="slidenum">
+              <a:rPr lang="en-US" smtClean="0"/>
+              <a:t>5</a:t>
+            </a:fld>
+            <a:endParaRPr lang="en-US"/>
+          </a:p>
+        </p:txBody>
+      </p:sp>
+    </p:spTree>
+    <p:extLst>
+      <p:ext uri="{BB962C8B-B14F-4D97-AF65-F5344CB8AC3E}">
+        <p14:creationId xmlns:p14="http://schemas.microsoft.com/office/powerpoint/2010/main" val="3424803045"/>
+      </p:ext>
+    </p:extLst>
+  </p:cSld>
+  <p:clrMapOvr>
+    <a:masterClrMapping/>
+  </p:clrMapOvr>
+</p:notes>
+</file>
+
+<file path=ppt/notesSlides/notesSlide5.xml><?xml version="1.0" encoding="utf-8"?>
+<p:notes xmlns:a="http://schemas.openxmlformats.org/drawingml/2006/main" xmlns:r="http://schemas.openxmlformats.org/officeDocument/2006/relationships" xmlns:p="http://schemas.openxmlformats.org/presentationml/2006/main">
+  <p:cSld>
+    <p:spTree>
+      <p:nvGrpSpPr>
+        <p:cNvPr id="1" name=""/>
+        <p:cNvGrpSpPr/>
+        <p:nvPr/>
+      </p:nvGrpSpPr>
+      <p:grpSpPr>
+        <a:xfrm>
+          <a:off x="0" y="0"/>
+          <a:ext cx="0" cy="0"/>
+          <a:chOff x="0" y="0"/>
+          <a:chExt cx="0" cy="0"/>
+        </a:xfrm>
+      </p:grpSpPr>
+      <p:sp>
+        <p:nvSpPr>
+          <p:cNvPr id="2" name="Slide Image Placeholder 1"/>
+          <p:cNvSpPr>
+            <a:spLocks noGrp="1" noRot="1" noChangeAspect="1"/>
+          </p:cNvSpPr>
+          <p:nvPr>
+            <p:ph type="sldImg"/>
+          </p:nvPr>
+        </p:nvSpPr>
+        <p:spPr/>
+      </p:sp>
+      <p:sp>
+        <p:nvSpPr>
+          <p:cNvPr id="3" name="Notes Placeholder 2"/>
+          <p:cNvSpPr>
+            <a:spLocks noGrp="1"/>
+          </p:cNvSpPr>
+          <p:nvPr>
+            <p:ph type="body" idx="1"/>
+          </p:nvPr>
+        </p:nvSpPr>
+        <p:spPr/>
+        <p:txBody>
+          <a:bodyPr/>
+          <a:lstStyle/>
+          <a:p>
+            <a:r>
+              <a:rPr lang="en-US" dirty="0"/>
               <a:t>Add actionable recommendations and info about </a:t>
             </a:r>
             <a:r>
@@ -810,7 +896,7 @@
           <a:p>
             <a:fld id="{DFE1A522-C10D-4A19-ABEF-91EC50BF2A2E}" type="slidenum">
               <a:rPr lang="en-US" smtClean="0"/>
-              <a:t>7</a:t>
+              <a:t>8</a:t>
             </a:fld>
             <a:endParaRPr lang="en-US"/>
           </a:p>
@@ -992,7 +1078,7 @@
           <a:p>
             <a:fld id="{D4A213A3-10E9-421F-81BE-56E0786AB515}" type="datetime2">
               <a:rPr lang="en-US" smtClean="0"/>
-              <a:t>Saturday, May 2, 2020</a:t>
+              <a:t>Thursday, May 7, 2020</a:t>
             </a:fld>
             <a:endParaRPr lang="en-US"/>
           </a:p>
@@ -1190,7 +1276,7 @@
           <a:p>
             <a:fld id="{3D5DABC0-2199-478F-BA77-33A651B6CB89}" type="datetime2">
               <a:rPr lang="en-US" smtClean="0"/>
-              <a:t>Saturday, May 2, 2020</a:t>
+              <a:t>Thursday, May 7, 2020</a:t>
             </a:fld>
             <a:endParaRPr lang="en-US"/>
           </a:p>
@@ -1399,7 +1485,7 @@
           <a:p>
             <a:fld id="{D72230C6-DF61-47F4-B8C5-1B70E884BF06}" type="datetime2">
               <a:rPr lang="en-US" smtClean="0"/>
-              <a:t>Saturday, May 2, 2020</a:t>
+              <a:t>Thursday, May 7, 2020</a:t>
             </a:fld>
             <a:endParaRPr lang="en-US"/>
           </a:p>
@@ -1609,7 +1695,7 @@
           <a:p>
             <a:fld id="{6B12B50C-7EEE-46CD-BAF7-BBC4026D959A}" type="datetime2">
               <a:rPr lang="en-US" smtClean="0"/>
-              <a:t>Saturday, May 2, 2020</a:t>
+              <a:t>Thursday, May 7, 2020</a:t>
             </a:fld>
             <a:endParaRPr lang="en-US"/>
           </a:p>
@@ -1889,7 +1975,7 @@
           <a:p>
             <a:fld id="{8D4211C4-AE09-4254-A5E3-6DA9B099C971}" type="datetime2">
               <a:rPr lang="en-US" smtClean="0"/>
-              <a:t>Saturday, May 2, 2020</a:t>
+              <a:t>Thursday, May 7, 2020</a:t>
             </a:fld>
             <a:endParaRPr lang="en-US"/>
           </a:p>
@@ -2168,7 +2254,7 @@
           <a:p>
             <a:fld id="{681742C3-E082-4760-93B2-E209268DD00C}" type="datetime2">
               <a:rPr lang="en-US" smtClean="0"/>
-              <a:t>Saturday, May 2, 2020</a:t>
+              <a:t>Thursday, May 7, 2020</a:t>
             </a:fld>
             <a:endParaRPr lang="en-US"/>
           </a:p>
@@ -2589,7 +2675,7 @@
           <a:p>
             <a:fld id="{3B6FC950-F824-48B9-B984-CAEE265865E5}" type="datetime2">
               <a:rPr lang="en-US" smtClean="0"/>
-              <a:t>Saturday, May 2, 2020</a:t>
+              <a:t>Thursday, May 7, 2020</a:t>
             </a:fld>
             <a:endParaRPr lang="en-US"/>
           </a:p>
@@ -2742,7 +2828,7 @@
           <a:p>
             <a:fld id="{BC8E3A0F-68E7-4D17-BB84-ED1BA4F6AC6B}" type="datetime2">
               <a:rPr lang="en-US" smtClean="0"/>
-              <a:t>Saturday, May 2, 2020</a:t>
+              <a:t>Thursday, May 7, 2020</a:t>
             </a:fld>
             <a:endParaRPr lang="en-US"/>
           </a:p>
@@ -2855,7 +2941,7 @@
           <a:p>
             <a:fld id="{EDB7BC4F-EDA1-4BA2-BFF3-FE5B31CCB58B}" type="datetime2">
               <a:rPr lang="en-US" smtClean="0"/>
-              <a:t>Saturday, May 2, 2020</a:t>
+              <a:t>Thursday, May 7, 2020</a:t>
             </a:fld>
             <a:endParaRPr lang="en-US"/>
           </a:p>
@@ -3169,7 +3255,7 @@
           <a:p>
             <a:fld id="{3AAE694C-1394-4838-A564-7380835C2E77}" type="datetime2">
               <a:rPr lang="en-US" smtClean="0"/>
-              <a:t>Saturday, May 2, 2020</a:t>
+              <a:t>Thursday, May 7, 2020</a:t>
             </a:fld>
             <a:endParaRPr lang="en-US"/>
           </a:p>
@@ -3462,7 +3548,7 @@
           <a:p>
             <a:fld id="{CAB84B19-1A00-4EDB-8425-E1827A377364}" type="datetime2">
               <a:rPr lang="en-US" smtClean="0"/>
-              <a:t>Saturday, May 2, 2020</a:t>
+              <a:t>Thursday, May 7, 2020</a:t>
             </a:fld>
             <a:endParaRPr lang="en-US"/>
           </a:p>
@@ -3831,7 +3917,7 @@
           <a:p>
             <a:fld id="{10076A27-8146-4F75-9851-A83577C6FD8A}" type="datetime2">
               <a:rPr lang="en-US" smtClean="0"/>
-              <a:t>Saturday, May 2, 2020</a:t>
+              <a:t>Thursday, May 7, 2020</a:t>
             </a:fld>
             <a:endParaRPr lang="en-US"/>
           </a:p>
@@ -4560,8 +4646,8 @@
         </p:nvSpPr>
         <p:spPr>
           <a:xfrm>
-            <a:off x="1116701" y="2452526"/>
-            <a:ext cx="4248318" cy="1952947"/>
+            <a:off x="1155973" y="2137106"/>
+            <a:ext cx="4248318" cy="2336041"/>
           </a:xfrm>
           <a:noFill/>
         </p:spPr>
@@ -4577,8 +4663,22 @@
               </a:lnSpc>
             </a:pPr>
             <a:r>
-              <a:rPr lang="en-US" sz="3300"/>
-              <a:t>Module 3 Project Executive Summary</a:t>
+              <a:rPr lang="en-US" sz="3300" dirty="0"/>
+              <a:t>The Tale of the tape:</a:t>
+            </a:r>
+            <a:br>
+              <a:rPr lang="en-US" sz="3300" dirty="0"/>
+            </a:br>
+            <a:r>
+              <a:rPr lang="en-US" sz="3300" dirty="0"/>
+              <a:t> </a:t>
+            </a:r>
+            <a:br>
+              <a:rPr lang="en-US" sz="3300" dirty="0"/>
+            </a:br>
+            <a:r>
+              <a:rPr lang="en-US" sz="2000" b="0" dirty="0"/>
+              <a:t>can you measure victory?</a:t>
             </a:r>
           </a:p>
         </p:txBody>
@@ -5295,6 +5395,99 @@
 </p:sld>
 </file>
 
+<file path=ppt/slides/slide10.xml><?xml version="1.0" encoding="utf-8"?>
+<p:sld xmlns:a="http://schemas.openxmlformats.org/drawingml/2006/main" xmlns:r="http://schemas.openxmlformats.org/officeDocument/2006/relationships" xmlns:p="http://schemas.openxmlformats.org/presentationml/2006/main">
+  <p:cSld>
+    <p:spTree>
+      <p:nvGrpSpPr>
+        <p:cNvPr id="1" name=""/>
+        <p:cNvGrpSpPr/>
+        <p:nvPr/>
+      </p:nvGrpSpPr>
+      <p:grpSpPr>
+        <a:xfrm>
+          <a:off x="0" y="0"/>
+          <a:ext cx="0" cy="0"/>
+          <a:chOff x="0" y="0"/>
+          <a:chExt cx="0" cy="0"/>
+        </a:xfrm>
+      </p:grpSpPr>
+      <p:pic>
+        <p:nvPicPr>
+          <p:cNvPr id="4" name="Picture 3">
+            <a:extLst>
+              <a:ext uri="{FF2B5EF4-FFF2-40B4-BE49-F238E27FC236}">
+                <a16:creationId xmlns:a16="http://schemas.microsoft.com/office/drawing/2014/main" id="{5847E6B3-3734-4928-9453-0B10C5C419E6}"/>
+              </a:ext>
+            </a:extLst>
+          </p:cNvPr>
+          <p:cNvPicPr>
+            <a:picLocks noChangeAspect="1"/>
+          </p:cNvPicPr>
+          <p:nvPr/>
+        </p:nvPicPr>
+        <p:blipFill rotWithShape="1">
+          <a:blip r:embed="rId2"/>
+          <a:srcRect t="24013" r="1" b="1"/>
+          <a:stretch/>
+        </p:blipFill>
+        <p:spPr>
+          <a:xfrm>
+            <a:off x="-4243" y="10"/>
+            <a:ext cx="12196243" cy="6857990"/>
+          </a:xfrm>
+          <a:prstGeom prst="rect">
+            <a:avLst/>
+          </a:prstGeom>
+        </p:spPr>
+      </p:pic>
+      <p:sp>
+        <p:nvSpPr>
+          <p:cNvPr id="5" name="Title 4">
+            <a:extLst>
+              <a:ext uri="{FF2B5EF4-FFF2-40B4-BE49-F238E27FC236}">
+                <a16:creationId xmlns:a16="http://schemas.microsoft.com/office/drawing/2014/main" id="{F1A405FA-9139-4731-A15F-6508014D5DD0}"/>
+              </a:ext>
+            </a:extLst>
+          </p:cNvPr>
+          <p:cNvSpPr>
+            <a:spLocks noGrp="1"/>
+          </p:cNvSpPr>
+          <p:nvPr>
+            <p:ph type="title"/>
+          </p:nvPr>
+        </p:nvSpPr>
+        <p:spPr>
+          <a:xfrm>
+            <a:off x="1380931" y="1952553"/>
+            <a:ext cx="9966519" cy="1874277"/>
+          </a:xfrm>
+        </p:spPr>
+        <p:txBody>
+          <a:bodyPr/>
+          <a:lstStyle/>
+          <a:p>
+            <a:pPr algn="ctr"/>
+            <a:r>
+              <a:rPr lang="en-US" dirty="0"/>
+              <a:t>Thank you!</a:t>
+            </a:r>
+          </a:p>
+        </p:txBody>
+      </p:sp>
+    </p:spTree>
+    <p:extLst>
+      <p:ext uri="{BB962C8B-B14F-4D97-AF65-F5344CB8AC3E}">
+        <p14:creationId xmlns:p14="http://schemas.microsoft.com/office/powerpoint/2010/main" val="1153139656"/>
+      </p:ext>
+    </p:extLst>
+  </p:cSld>
+  <p:clrMapOvr>
+    <a:masterClrMapping/>
+  </p:clrMapOvr>
+</p:sld>
+</file>
+
 <file path=ppt/slides/slide2.xml><?xml version="1.0" encoding="utf-8"?>
 <p:sld xmlns:a="http://schemas.openxmlformats.org/drawingml/2006/main" xmlns:r="http://schemas.openxmlformats.org/officeDocument/2006/relationships" xmlns:p="http://schemas.openxmlformats.org/presentationml/2006/main">
   <p:cSld>
@@ -5383,11 +5576,8 @@
           <a:p>
             <a:r>
               <a:rPr lang="en-US" dirty="0"/>
-              <a:t>The goal is that the model achieve the correct winner with 80% accuracy</a:t>
-            </a:r>
-          </a:p>
-          <a:p>
-            <a:endParaRPr lang="en-US" dirty="0"/>
+              <a:t>The goal is that the model perform better than random chance (50% accuracy)</a:t>
+            </a:r>
           </a:p>
         </p:txBody>
       </p:sp>
@@ -5710,7 +5900,7 @@
           <a:p>
             <a:r>
               <a:rPr lang="en-US" dirty="0"/>
-              <a:t>The process - preprocessing</a:t>
+              <a:t>The process – the target</a:t>
             </a:r>
           </a:p>
         </p:txBody>
@@ -5735,29 +5925,6 @@
         <p:txBody>
           <a:bodyPr/>
           <a:lstStyle/>
-          <a:p>
-            <a:r>
-              <a:rPr lang="en-US" dirty="0"/>
-              <a:t>Filling missing values</a:t>
-            </a:r>
-          </a:p>
-          <a:p>
-            <a:pPr lvl="1"/>
-            <a:r>
-              <a:rPr lang="en-US" dirty="0"/>
-              <a:t>Replacement</a:t>
-            </a:r>
-          </a:p>
-          <a:p>
-            <a:pPr lvl="1"/>
-            <a:r>
-              <a:rPr lang="en-US" dirty="0"/>
-              <a:t>Removal</a:t>
-            </a:r>
-          </a:p>
-          <a:p>
-            <a:endParaRPr lang="en-US" dirty="0"/>
-          </a:p>
           <a:p>
             <a:r>
               <a:rPr lang="en-US" dirty="0"/>
@@ -5768,14 +5935,89 @@
             <a:pPr lvl="1"/>
             <a:r>
               <a:rPr lang="en-US" dirty="0"/>
-              <a:t>Draw, Win (Blue corner), Win (Red corner)</a:t>
-            </a:r>
-          </a:p>
-          <a:p>
+              <a:t>3 possible results:</a:t>
+            </a:r>
+          </a:p>
+          <a:p>
+            <a:pPr lvl="2"/>
+            <a:r>
+              <a:rPr lang="en-US" dirty="0"/>
+              <a:t>Draw </a:t>
+            </a:r>
+          </a:p>
+          <a:p>
+            <a:pPr lvl="2"/>
+            <a:r>
+              <a:rPr lang="en-US" dirty="0"/>
+              <a:t>Win (Blue corner)</a:t>
+            </a:r>
+          </a:p>
+          <a:p>
+            <a:pPr lvl="2"/>
+            <a:r>
+              <a:rPr lang="en-US" dirty="0"/>
+              <a:t>Win (Red corner)</a:t>
+            </a:r>
+          </a:p>
+          <a:p>
+            <a:pPr lvl="1"/>
             <a:endParaRPr lang="en-US" dirty="0"/>
           </a:p>
-        </p:txBody>
-      </p:sp>
+          <a:p>
+            <a:endParaRPr lang="en-US" dirty="0"/>
+          </a:p>
+        </p:txBody>
+      </p:sp>
+      <p:pic>
+        <p:nvPicPr>
+          <p:cNvPr id="1028" name="Picture 4" descr="Shark punching center - Drawception">
+            <a:extLst>
+              <a:ext uri="{FF2B5EF4-FFF2-40B4-BE49-F238E27FC236}">
+                <a16:creationId xmlns:a16="http://schemas.microsoft.com/office/drawing/2014/main" id="{AAEB4815-F62D-4B96-9D97-DB1F7A0353D2}"/>
+              </a:ext>
+            </a:extLst>
+          </p:cNvPr>
+          <p:cNvPicPr>
+            <a:picLocks noChangeAspect="1" noChangeArrowheads="1"/>
+          </p:cNvPicPr>
+          <p:nvPr/>
+        </p:nvPicPr>
+        <p:blipFill>
+          <a:blip r:embed="rId3">
+            <a:extLst>
+              <a:ext uri="{28A0092B-C50C-407E-A947-70E740481C1C}">
+                <a14:useLocalDpi xmlns:a14="http://schemas.microsoft.com/office/drawing/2010/main" val="0"/>
+              </a:ext>
+            </a:extLst>
+          </a:blip>
+          <a:srcRect/>
+          <a:stretch>
+            <a:fillRect/>
+          </a:stretch>
+        </p:blipFill>
+        <p:spPr bwMode="auto">
+          <a:xfrm>
+            <a:off x="7162801" y="2114939"/>
+            <a:ext cx="3986572" cy="3335868"/>
+          </a:xfrm>
+          <a:prstGeom prst="roundRect">
+            <a:avLst>
+              <a:gd name="adj" fmla="val 8594"/>
+            </a:avLst>
+          </a:prstGeom>
+          <a:solidFill>
+            <a:srgbClr val="FFFFFF">
+              <a:shade val="85000"/>
+            </a:srgbClr>
+          </a:solidFill>
+          <a:ln>
+            <a:noFill/>
+          </a:ln>
+          <a:effectLst>
+            <a:reflection blurRad="12700" stA="38000" endPos="28000" dist="5000" dir="5400000" sy="-100000" algn="bl" rotWithShape="0"/>
+          </a:effectLst>
+        </p:spPr>
+      </p:pic>
     </p:spTree>
     <p:extLst>
       <p:ext uri="{BB962C8B-B14F-4D97-AF65-F5344CB8AC3E}">
@@ -5850,7 +6092,12 @@
             <p:ph idx="1"/>
           </p:nvPr>
         </p:nvSpPr>
-        <p:spPr/>
+        <p:spPr>
+          <a:xfrm>
+            <a:off x="1371601" y="2114939"/>
+            <a:ext cx="5603788" cy="3956179"/>
+          </a:xfrm>
+        </p:spPr>
         <p:txBody>
           <a:bodyPr/>
           <a:lstStyle/>
@@ -5864,17 +6111,20 @@
             <a:pPr lvl="1"/>
             <a:r>
               <a:rPr lang="en-US" dirty="0"/>
-              <a:t>An algorithm that “learns” and makes “decisions”</a:t>
+              <a:t>An algorithm that “learns” and makes predictions </a:t>
             </a:r>
           </a:p>
           <a:p>
             <a:pPr lvl="1"/>
             <a:r>
               <a:rPr lang="en-US" dirty="0"/>
-              <a:t>Tried seven during this process</a:t>
-            </a:r>
-          </a:p>
-          <a:p>
+              <a:t>Tried seven different kinds during this process</a:t>
+            </a:r>
+          </a:p>
+          <a:p>
+            <a:pPr marL="0" indent="0">
+              <a:buNone/>
+            </a:pPr>
             <a:endParaRPr lang="en-US" dirty="0"/>
           </a:p>
           <a:p>
@@ -5887,7 +6137,14 @@
             <a:pPr lvl="1"/>
             <a:r>
               <a:rPr lang="en-US" dirty="0"/>
-              <a:t>Makes a choice based on probability</a:t>
+              <a:t>Single value output</a:t>
+            </a:r>
+          </a:p>
+          <a:p>
+            <a:pPr lvl="1"/>
+            <a:r>
+              <a:rPr lang="en-US" dirty="0"/>
+              <a:t>Each feature carries a “weight”</a:t>
             </a:r>
           </a:p>
         </p:txBody>
@@ -5907,7 +6164,7 @@
           <p:nvPr/>
         </p:nvPicPr>
         <p:blipFill>
-          <a:blip r:embed="rId2">
+          <a:blip r:embed="rId3">
             <a:extLst>
               <a:ext uri="{28A0092B-C50C-407E-A947-70E740481C1C}">
                 <a14:useLocalDpi xmlns:a14="http://schemas.microsoft.com/office/drawing/2010/main" val="0"/>
@@ -5921,8 +6178,8 @@
         </p:blipFill>
         <p:spPr bwMode="auto">
           <a:xfrm>
-            <a:off x="6975388" y="3166532"/>
-            <a:ext cx="4954145" cy="2463801"/>
+            <a:off x="6975389" y="2590798"/>
+            <a:ext cx="4954145" cy="2658535"/>
           </a:xfrm>
           <a:prstGeom prst="roundRect">
             <a:avLst>
@@ -6018,8 +6275,8 @@
         </p:nvSpPr>
         <p:spPr>
           <a:xfrm>
-            <a:off x="1371600" y="2114939"/>
-            <a:ext cx="5477933" cy="3956179"/>
+            <a:off x="1371600" y="2114940"/>
+            <a:ext cx="3158067" cy="2490928"/>
           </a:xfrm>
         </p:spPr>
         <p:txBody>
@@ -6028,27 +6285,17 @@
           <a:p>
             <a:r>
               <a:rPr lang="en-US" dirty="0"/>
-              <a:t>My model fell short of my 80% accuracy goal</a:t>
-            </a:r>
-          </a:p>
-          <a:p>
-            <a:pPr lvl="1"/>
-            <a:r>
-              <a:rPr lang="en-US" dirty="0"/>
-              <a:t>The best model performed at 66% accuracy</a:t>
-            </a:r>
-          </a:p>
-          <a:p>
-            <a:pPr marL="457200" lvl="1" indent="0">
-              <a:buNone/>
-            </a:pPr>
-            <a:endParaRPr lang="en-US" dirty="0"/>
+              <a:t>The best model performed at 66% accuracy!</a:t>
+            </a:r>
           </a:p>
           <a:p>
             <a:r>
               <a:rPr lang="en-US" dirty="0"/>
               <a:t>Successful at producing probabilities for each fighter</a:t>
             </a:r>
+          </a:p>
+          <a:p>
+            <a:endParaRPr lang="en-US" dirty="0"/>
           </a:p>
           <a:p>
             <a:endParaRPr lang="en-US" dirty="0"/>
@@ -6084,8 +6331,8 @@
         </p:blipFill>
         <p:spPr bwMode="auto">
           <a:xfrm>
-            <a:off x="7019782" y="2026568"/>
-            <a:ext cx="5034608" cy="3586832"/>
+            <a:off x="6096000" y="2026568"/>
+            <a:ext cx="5516503" cy="3476765"/>
           </a:xfrm>
           <a:prstGeom prst="roundRect">
             <a:avLst>
@@ -6140,6 +6387,210 @@
           <p:cNvPr id="2" name="Title 1">
             <a:extLst>
               <a:ext uri="{FF2B5EF4-FFF2-40B4-BE49-F238E27FC236}">
+                <a16:creationId xmlns:a16="http://schemas.microsoft.com/office/drawing/2014/main" id="{94F112F2-66A6-41B7-A2BE-85EF8056EDC3}"/>
+              </a:ext>
+            </a:extLst>
+          </p:cNvPr>
+          <p:cNvSpPr>
+            <a:spLocks noGrp="1"/>
+          </p:cNvSpPr>
+          <p:nvPr>
+            <p:ph type="title"/>
+          </p:nvPr>
+        </p:nvSpPr>
+        <p:spPr/>
+        <p:txBody>
+          <a:bodyPr/>
+          <a:lstStyle/>
+          <a:p>
+            <a:r>
+              <a:rPr lang="en-US" dirty="0"/>
+              <a:t>The results – What matters?</a:t>
+            </a:r>
+          </a:p>
+        </p:txBody>
+      </p:sp>
+      <p:sp>
+        <p:nvSpPr>
+          <p:cNvPr id="3" name="Content Placeholder 2">
+            <a:extLst>
+              <a:ext uri="{FF2B5EF4-FFF2-40B4-BE49-F238E27FC236}">
+                <a16:creationId xmlns:a16="http://schemas.microsoft.com/office/drawing/2014/main" id="{F75A5BE0-842E-42AC-A9D8-493F626FC800}"/>
+              </a:ext>
+            </a:extLst>
+          </p:cNvPr>
+          <p:cNvSpPr>
+            <a:spLocks noGrp="1"/>
+          </p:cNvSpPr>
+          <p:nvPr>
+            <p:ph idx="1"/>
+          </p:nvPr>
+        </p:nvSpPr>
+        <p:spPr>
+          <a:xfrm>
+            <a:off x="1371600" y="2114939"/>
+            <a:ext cx="4382932" cy="3388393"/>
+          </a:xfrm>
+        </p:spPr>
+        <p:txBody>
+          <a:bodyPr>
+            <a:normAutofit fontScale="77500" lnSpcReduction="20000"/>
+          </a:bodyPr>
+          <a:lstStyle/>
+          <a:p>
+            <a:r>
+              <a:rPr lang="en-US" dirty="0"/>
+              <a:t>Top 20 values taken from final model:</a:t>
+            </a:r>
+          </a:p>
+          <a:p>
+            <a:pPr lvl="1"/>
+            <a:r>
+              <a:rPr lang="en-US" dirty="0"/>
+              <a:t>The older/more weathered your opponent is</a:t>
+            </a:r>
+          </a:p>
+          <a:p>
+            <a:pPr lvl="1"/>
+            <a:r>
+              <a:rPr lang="en-US" dirty="0"/>
+              <a:t>The more you’ve “finished”</a:t>
+            </a:r>
+          </a:p>
+          <a:p>
+            <a:pPr lvl="1"/>
+            <a:r>
+              <a:rPr lang="en-US" dirty="0"/>
+              <a:t>The more you can stay elusive</a:t>
+            </a:r>
+          </a:p>
+          <a:p>
+            <a:pPr lvl="1"/>
+            <a:r>
+              <a:rPr lang="en-US" dirty="0"/>
+              <a:t>The more you can stay active</a:t>
+            </a:r>
+          </a:p>
+          <a:p>
+            <a:pPr lvl="1"/>
+            <a:r>
+              <a:rPr lang="en-US" dirty="0"/>
+              <a:t>The more in ring experience you have</a:t>
+            </a:r>
+          </a:p>
+          <a:p>
+            <a:pPr lvl="2"/>
+            <a:r>
+              <a:rPr lang="en-US" dirty="0"/>
+              <a:t>Staying safe of course</a:t>
+            </a:r>
+          </a:p>
+          <a:p>
+            <a:pPr lvl="1"/>
+            <a:endParaRPr lang="en-US" dirty="0"/>
+          </a:p>
+          <a:p>
+            <a:r>
+              <a:rPr lang="en-US" dirty="0"/>
+              <a:t>Negative number favors Red to win</a:t>
+            </a:r>
+          </a:p>
+          <a:p>
+            <a:r>
+              <a:rPr lang="en-US" dirty="0"/>
+              <a:t>Positive number favors Blue to win</a:t>
+            </a:r>
+          </a:p>
+          <a:p>
+            <a:endParaRPr lang="en-US" dirty="0"/>
+          </a:p>
+          <a:p>
+            <a:endParaRPr lang="en-US" dirty="0"/>
+          </a:p>
+        </p:txBody>
+      </p:sp>
+      <p:pic>
+        <p:nvPicPr>
+          <p:cNvPr id="1026" name="Picture 2">
+            <a:extLst>
+              <a:ext uri="{FF2B5EF4-FFF2-40B4-BE49-F238E27FC236}">
+                <a16:creationId xmlns:a16="http://schemas.microsoft.com/office/drawing/2014/main" id="{305DAA14-2CD2-45D1-8CFC-5CE325B095DF}"/>
+              </a:ext>
+            </a:extLst>
+          </p:cNvPr>
+          <p:cNvPicPr>
+            <a:picLocks noChangeAspect="1" noChangeArrowheads="1"/>
+          </p:cNvPicPr>
+          <p:nvPr/>
+        </p:nvPicPr>
+        <p:blipFill>
+          <a:blip r:embed="rId2">
+            <a:extLst>
+              <a:ext uri="{28A0092B-C50C-407E-A947-70E740481C1C}">
+                <a14:useLocalDpi xmlns:a14="http://schemas.microsoft.com/office/drawing/2010/main" val="0"/>
+              </a:ext>
+            </a:extLst>
+          </a:blip>
+          <a:srcRect/>
+          <a:stretch>
+            <a:fillRect/>
+          </a:stretch>
+        </p:blipFill>
+        <p:spPr bwMode="auto">
+          <a:xfrm>
+            <a:off x="5754532" y="2026568"/>
+            <a:ext cx="5397023" cy="3905250"/>
+          </a:xfrm>
+          <a:prstGeom prst="rect">
+            <a:avLst/>
+          </a:prstGeom>
+          <a:noFill/>
+          <a:extLst>
+            <a:ext uri="{909E8E84-426E-40DD-AFC4-6F175D3DCCD1}">
+              <a14:hiddenFill xmlns:a14="http://schemas.microsoft.com/office/drawing/2010/main">
+                <a:solidFill>
+                  <a:srgbClr val="FFFFFF"/>
+                </a:solidFill>
+              </a14:hiddenFill>
+            </a:ext>
+          </a:extLst>
+        </p:spPr>
+      </p:pic>
+    </p:spTree>
+    <p:extLst>
+      <p:ext uri="{BB962C8B-B14F-4D97-AF65-F5344CB8AC3E}">
+        <p14:creationId xmlns:p14="http://schemas.microsoft.com/office/powerpoint/2010/main" val="796899929"/>
+      </p:ext>
+    </p:extLst>
+  </p:cSld>
+  <p:clrMapOvr>
+    <a:masterClrMapping/>
+  </p:clrMapOvr>
+</p:sld>
+</file>
+
+<file path=ppt/slides/slide8.xml><?xml version="1.0" encoding="utf-8"?>
+<p:sld xmlns:a="http://schemas.openxmlformats.org/drawingml/2006/main" xmlns:r="http://schemas.openxmlformats.org/officeDocument/2006/relationships" xmlns:p="http://schemas.openxmlformats.org/presentationml/2006/main">
+  <p:cSld>
+    <p:spTree>
+      <p:nvGrpSpPr>
+        <p:cNvPr id="1" name=""/>
+        <p:cNvGrpSpPr/>
+        <p:nvPr/>
+      </p:nvGrpSpPr>
+      <p:grpSpPr>
+        <a:xfrm>
+          <a:off x="0" y="0"/>
+          <a:ext cx="0" cy="0"/>
+          <a:chOff x="0" y="0"/>
+          <a:chExt cx="0" cy="0"/>
+        </a:xfrm>
+      </p:grpSpPr>
+      <p:sp>
+        <p:nvSpPr>
+          <p:cNvPr id="2" name="Title 1">
+            <a:extLst>
+              <a:ext uri="{FF2B5EF4-FFF2-40B4-BE49-F238E27FC236}">
                 <a16:creationId xmlns:a16="http://schemas.microsoft.com/office/drawing/2014/main" id="{367DD37E-8641-4622-A5FB-3AD784F6ACAC}"/>
               </a:ext>
             </a:extLst>
@@ -6158,7 +6609,7 @@
           <a:p>
             <a:r>
               <a:rPr lang="en-US" dirty="0"/>
-              <a:t>recommendation</a:t>
+              <a:t>recommendations</a:t>
             </a:r>
           </a:p>
         </p:txBody>
@@ -6186,38 +6637,57 @@
           </a:xfrm>
         </p:spPr>
         <p:txBody>
-          <a:bodyPr/>
+          <a:bodyPr>
+            <a:normAutofit/>
+          </a:bodyPr>
           <a:lstStyle/>
           <a:p>
             <a:r>
               <a:rPr lang="en-US" dirty="0"/>
-              <a:t>Given my results, I recommend using the model I have created to show probabilities</a:t>
-            </a:r>
-          </a:p>
-          <a:p>
-            <a:endParaRPr lang="en-US" dirty="0"/>
-          </a:p>
-          <a:p>
+              <a:t>Given my results, I recommend using the model I have created to show probabilities primarily</a:t>
+            </a:r>
+          </a:p>
+          <a:p>
+            <a:pPr lvl="1"/>
             <a:r>
               <a:rPr lang="en-US" dirty="0"/>
               <a:t>Currently, it is too unreliable to make strong predictions</a:t>
             </a:r>
-          </a:p>
-          <a:p>
+            <a:br>
+              <a:rPr lang="en-US" dirty="0"/>
+            </a:br>
             <a:endParaRPr lang="en-US" dirty="0"/>
           </a:p>
           <a:p>
             <a:r>
               <a:rPr lang="en-US" dirty="0"/>
-              <a:t>Can provide knowledge in terms of “how likely”</a:t>
+              <a:t>Can provide knowledge to:</a:t>
             </a:r>
           </a:p>
           <a:p>
             <a:pPr lvl="1"/>
             <a:r>
               <a:rPr lang="en-US" dirty="0"/>
-              <a:t>The closer the two are, easier it is to swing</a:t>
-            </a:r>
+              <a:t>Trainers / Fighters</a:t>
+            </a:r>
+          </a:p>
+          <a:p>
+            <a:pPr lvl="1"/>
+            <a:r>
+              <a:rPr lang="en-US" dirty="0"/>
+              <a:t>Advertisers / TV Networks / Promoters</a:t>
+            </a:r>
+          </a:p>
+          <a:p>
+            <a:pPr lvl="1"/>
+            <a:r>
+              <a:rPr lang="en-US" dirty="0"/>
+              <a:t>Combat sports organizers (e.g. UFC)</a:t>
+            </a:r>
+          </a:p>
+          <a:p>
+            <a:pPr lvl="1"/>
+            <a:endParaRPr lang="en-US" dirty="0"/>
           </a:p>
           <a:p>
             <a:pPr lvl="1"/>
@@ -6288,7 +6758,7 @@
 </p:sld>
 </file>
 
-<file path=ppt/slides/slide8.xml><?xml version="1.0" encoding="utf-8"?>
+<file path=ppt/slides/slide9.xml><?xml version="1.0" encoding="utf-8"?>
 <p:sld xmlns:a="http://schemas.openxmlformats.org/drawingml/2006/main" xmlns:r="http://schemas.openxmlformats.org/officeDocument/2006/relationships" xmlns:p="http://schemas.openxmlformats.org/presentationml/2006/main">
   <p:cSld>
     <p:spTree>
@@ -6465,99 +6935,6 @@
     <p:extLst>
       <p:ext uri="{BB962C8B-B14F-4D97-AF65-F5344CB8AC3E}">
         <p14:creationId xmlns:p14="http://schemas.microsoft.com/office/powerpoint/2010/main" val="1699050756"/>
-      </p:ext>
-    </p:extLst>
-  </p:cSld>
-  <p:clrMapOvr>
-    <a:masterClrMapping/>
-  </p:clrMapOvr>
-</p:sld>
-</file>
-
-<file path=ppt/slides/slide9.xml><?xml version="1.0" encoding="utf-8"?>
-<p:sld xmlns:a="http://schemas.openxmlformats.org/drawingml/2006/main" xmlns:r="http://schemas.openxmlformats.org/officeDocument/2006/relationships" xmlns:p="http://schemas.openxmlformats.org/presentationml/2006/main">
-  <p:cSld>
-    <p:spTree>
-      <p:nvGrpSpPr>
-        <p:cNvPr id="1" name=""/>
-        <p:cNvGrpSpPr/>
-        <p:nvPr/>
-      </p:nvGrpSpPr>
-      <p:grpSpPr>
-        <a:xfrm>
-          <a:off x="0" y="0"/>
-          <a:ext cx="0" cy="0"/>
-          <a:chOff x="0" y="0"/>
-          <a:chExt cx="0" cy="0"/>
-        </a:xfrm>
-      </p:grpSpPr>
-      <p:pic>
-        <p:nvPicPr>
-          <p:cNvPr id="4" name="Picture 3">
-            <a:extLst>
-              <a:ext uri="{FF2B5EF4-FFF2-40B4-BE49-F238E27FC236}">
-                <a16:creationId xmlns:a16="http://schemas.microsoft.com/office/drawing/2014/main" id="{5847E6B3-3734-4928-9453-0B10C5C419E6}"/>
-              </a:ext>
-            </a:extLst>
-          </p:cNvPr>
-          <p:cNvPicPr>
-            <a:picLocks noChangeAspect="1"/>
-          </p:cNvPicPr>
-          <p:nvPr/>
-        </p:nvPicPr>
-        <p:blipFill rotWithShape="1">
-          <a:blip r:embed="rId2"/>
-          <a:srcRect t="24013" r="1" b="1"/>
-          <a:stretch/>
-        </p:blipFill>
-        <p:spPr>
-          <a:xfrm>
-            <a:off x="-4243" y="10"/>
-            <a:ext cx="12196243" cy="6857990"/>
-          </a:xfrm>
-          <a:prstGeom prst="rect">
-            <a:avLst/>
-          </a:prstGeom>
-        </p:spPr>
-      </p:pic>
-      <p:sp>
-        <p:nvSpPr>
-          <p:cNvPr id="5" name="Title 4">
-            <a:extLst>
-              <a:ext uri="{FF2B5EF4-FFF2-40B4-BE49-F238E27FC236}">
-                <a16:creationId xmlns:a16="http://schemas.microsoft.com/office/drawing/2014/main" id="{F1A405FA-9139-4731-A15F-6508014D5DD0}"/>
-              </a:ext>
-            </a:extLst>
-          </p:cNvPr>
-          <p:cNvSpPr>
-            <a:spLocks noGrp="1"/>
-          </p:cNvSpPr>
-          <p:nvPr>
-            <p:ph type="title"/>
-          </p:nvPr>
-        </p:nvSpPr>
-        <p:spPr>
-          <a:xfrm>
-            <a:off x="1380931" y="1952553"/>
-            <a:ext cx="9966519" cy="1874277"/>
-          </a:xfrm>
-        </p:spPr>
-        <p:txBody>
-          <a:bodyPr/>
-          <a:lstStyle/>
-          <a:p>
-            <a:pPr algn="ctr"/>
-            <a:r>
-              <a:rPr lang="en-US" dirty="0"/>
-              <a:t>Thank you!</a:t>
-            </a:r>
-          </a:p>
-        </p:txBody>
-      </p:sp>
-    </p:spTree>
-    <p:extLst>
-      <p:ext uri="{BB962C8B-B14F-4D97-AF65-F5344CB8AC3E}">
-        <p14:creationId xmlns:p14="http://schemas.microsoft.com/office/powerpoint/2010/main" val="1153139656"/>
       </p:ext>
     </p:extLst>
   </p:cSld>

--- a/Mod3.2_Proj_Exec.pptx
+++ b/Mod3.2_Proj_Exec.pptx
@@ -124,6 +124,654 @@
 </p:presentation>
 </file>
 
+<file path=ppt/ink/ink1.xml><?xml version="1.0" encoding="utf-8"?>
+<inkml:ink xmlns:inkml="http://www.w3.org/2003/InkML">
+  <inkml:definitions>
+    <inkml:context xml:id="ctx0">
+      <inkml:inkSource xml:id="inkSrc0">
+        <inkml:traceFormat>
+          <inkml:channel name="X" type="integer" min="-2.14748E9" max="2.14748E9" units="cm"/>
+          <inkml:channel name="Y" type="integer" min="-2.14748E9" max="2.14748E9" units="cm"/>
+        </inkml:traceFormat>
+        <inkml:channelProperties>
+          <inkml:channelProperty channel="X" name="resolution" value="1000" units="1/cm"/>
+          <inkml:channelProperty channel="Y" name="resolution" value="1000" units="1/cm"/>
+        </inkml:channelProperties>
+      </inkml:inkSource>
+      <inkml:timestamp xml:id="ts0" timeString="2020-05-09T21:05:23.444"/>
+    </inkml:context>
+    <inkml:brush xml:id="br0">
+      <inkml:brushProperty name="width" value="0.2" units="cm"/>
+      <inkml:brushProperty name="height" value="0.2" units="cm"/>
+      <inkml:brushProperty name="color" value="#008C3A"/>
+      <inkml:brushProperty name="ignorePressure" value="1"/>
+    </inkml:brush>
+  </inkml:definitions>
+  <inkml:trace contextRef="#ctx0" brushRef="#br0">1 1,'0'0</inkml:trace>
+</inkml:ink>
+</file>
+
+<file path=ppt/ink/ink10.xml><?xml version="1.0" encoding="utf-8"?>
+<inkml:ink xmlns:inkml="http://www.w3.org/2003/InkML">
+  <inkml:definitions>
+    <inkml:context xml:id="ctx0">
+      <inkml:inkSource xml:id="inkSrc0">
+        <inkml:traceFormat>
+          <inkml:channel name="X" type="integer" min="-2.14748E9" max="2.14748E9" units="cm"/>
+          <inkml:channel name="Y" type="integer" min="-2.14748E9" max="2.14748E9" units="cm"/>
+        </inkml:traceFormat>
+        <inkml:channelProperties>
+          <inkml:channelProperty channel="X" name="resolution" value="1000" units="1/cm"/>
+          <inkml:channelProperty channel="Y" name="resolution" value="1000" units="1/cm"/>
+        </inkml:channelProperties>
+      </inkml:inkSource>
+      <inkml:timestamp xml:id="ts0" timeString="2020-05-09T21:17:00.021"/>
+    </inkml:context>
+    <inkml:brush xml:id="br0">
+      <inkml:brushProperty name="width" value="0.2" units="cm"/>
+      <inkml:brushProperty name="height" value="0.2" units="cm"/>
+      <inkml:brushProperty name="color" value="#FFCC00"/>
+      <inkml:brushProperty name="ignorePressure" value="1"/>
+    </inkml:brush>
+  </inkml:definitions>
+  <inkml:trace contextRef="#ctx0" brushRef="#br0">0 1,'0'0</inkml:trace>
+</inkml:ink>
+</file>
+
+<file path=ppt/ink/ink11.xml><?xml version="1.0" encoding="utf-8"?>
+<inkml:ink xmlns:inkml="http://www.w3.org/2003/InkML">
+  <inkml:definitions>
+    <inkml:context xml:id="ctx0">
+      <inkml:inkSource xml:id="inkSrc0">
+        <inkml:traceFormat>
+          <inkml:channel name="X" type="integer" min="-2.14748E9" max="2.14748E9" units="cm"/>
+          <inkml:channel name="Y" type="integer" min="-2.14748E9" max="2.14748E9" units="cm"/>
+        </inkml:traceFormat>
+        <inkml:channelProperties>
+          <inkml:channelProperty channel="X" name="resolution" value="1000" units="1/cm"/>
+          <inkml:channelProperty channel="Y" name="resolution" value="1000" units="1/cm"/>
+        </inkml:channelProperties>
+      </inkml:inkSource>
+      <inkml:timestamp xml:id="ts0" timeString="2020-05-09T21:17:08.610"/>
+    </inkml:context>
+    <inkml:brush xml:id="br0">
+      <inkml:brushProperty name="width" value="0.2" units="cm"/>
+      <inkml:brushProperty name="height" value="0.2" units="cm"/>
+      <inkml:brushProperty name="color" value="#FFCC00"/>
+      <inkml:brushProperty name="ignorePressure" value="1"/>
+    </inkml:brush>
+  </inkml:definitions>
+  <inkml:trace contextRef="#ctx0" brushRef="#br0">0 0,'0'0</inkml:trace>
+</inkml:ink>
+</file>
+
+<file path=ppt/ink/ink12.xml><?xml version="1.0" encoding="utf-8"?>
+<inkml:ink xmlns:inkml="http://www.w3.org/2003/InkML">
+  <inkml:definitions>
+    <inkml:context xml:id="ctx0">
+      <inkml:inkSource xml:id="inkSrc0">
+        <inkml:traceFormat>
+          <inkml:channel name="X" type="integer" min="-2.14748E9" max="2.14748E9" units="cm"/>
+          <inkml:channel name="Y" type="integer" min="-2.14748E9" max="2.14748E9" units="cm"/>
+        </inkml:traceFormat>
+        <inkml:channelProperties>
+          <inkml:channelProperty channel="X" name="resolution" value="1000" units="1/cm"/>
+          <inkml:channelProperty channel="Y" name="resolution" value="1000" units="1/cm"/>
+        </inkml:channelProperties>
+      </inkml:inkSource>
+      <inkml:timestamp xml:id="ts0" timeString="2020-05-09T21:17:10.860"/>
+    </inkml:context>
+    <inkml:brush xml:id="br0">
+      <inkml:brushProperty name="width" value="0.2" units="cm"/>
+      <inkml:brushProperty name="height" value="0.2" units="cm"/>
+      <inkml:brushProperty name="color" value="#FFCC00"/>
+      <inkml:brushProperty name="ignorePressure" value="1"/>
+    </inkml:brush>
+  </inkml:definitions>
+  <inkml:trace contextRef="#ctx0" brushRef="#br0">1 0,'0'0</inkml:trace>
+</inkml:ink>
+</file>
+
+<file path=ppt/ink/ink13.xml><?xml version="1.0" encoding="utf-8"?>
+<inkml:ink xmlns:inkml="http://www.w3.org/2003/InkML">
+  <inkml:definitions>
+    <inkml:context xml:id="ctx0">
+      <inkml:inkSource xml:id="inkSrc0">
+        <inkml:traceFormat>
+          <inkml:channel name="X" type="integer" min="-2.14748E9" max="2.14748E9" units="cm"/>
+          <inkml:channel name="Y" type="integer" min="-2.14748E9" max="2.14748E9" units="cm"/>
+        </inkml:traceFormat>
+        <inkml:channelProperties>
+          <inkml:channelProperty channel="X" name="resolution" value="1000" units="1/cm"/>
+          <inkml:channelProperty channel="Y" name="resolution" value="1000" units="1/cm"/>
+        </inkml:channelProperties>
+      </inkml:inkSource>
+      <inkml:timestamp xml:id="ts0" timeString="2020-05-09T21:17:15.351"/>
+    </inkml:context>
+    <inkml:brush xml:id="br0">
+      <inkml:brushProperty name="width" value="0.2" units="cm"/>
+      <inkml:brushProperty name="height" value="0.2" units="cm"/>
+      <inkml:brushProperty name="color" value="#FFCC00"/>
+      <inkml:brushProperty name="ignorePressure" value="1"/>
+    </inkml:brush>
+  </inkml:definitions>
+  <inkml:trace contextRef="#ctx0" brushRef="#br0">1 0,'0'0</inkml:trace>
+</inkml:ink>
+</file>
+
+<file path=ppt/ink/ink14.xml><?xml version="1.0" encoding="utf-8"?>
+<inkml:ink xmlns:inkml="http://www.w3.org/2003/InkML">
+  <inkml:definitions>
+    <inkml:context xml:id="ctx0">
+      <inkml:inkSource xml:id="inkSrc0">
+        <inkml:traceFormat>
+          <inkml:channel name="X" type="integer" min="-2.14748E9" max="2.14748E9" units="cm"/>
+          <inkml:channel name="Y" type="integer" min="-2.14748E9" max="2.14748E9" units="cm"/>
+        </inkml:traceFormat>
+        <inkml:channelProperties>
+          <inkml:channelProperty channel="X" name="resolution" value="1000" units="1/cm"/>
+          <inkml:channelProperty channel="Y" name="resolution" value="1000" units="1/cm"/>
+        </inkml:channelProperties>
+      </inkml:inkSource>
+      <inkml:timestamp xml:id="ts0" timeString="2020-05-09T21:17:17.711"/>
+    </inkml:context>
+    <inkml:brush xml:id="br0">
+      <inkml:brushProperty name="width" value="0.2" units="cm"/>
+      <inkml:brushProperty name="height" value="0.2" units="cm"/>
+      <inkml:brushProperty name="color" value="#FFCC00"/>
+      <inkml:brushProperty name="ignorePressure" value="1"/>
+    </inkml:brush>
+  </inkml:definitions>
+  <inkml:trace contextRef="#ctx0" brushRef="#br0">1 0,'0'0</inkml:trace>
+</inkml:ink>
+</file>
+
+<file path=ppt/ink/ink15.xml><?xml version="1.0" encoding="utf-8"?>
+<inkml:ink xmlns:inkml="http://www.w3.org/2003/InkML">
+  <inkml:definitions>
+    <inkml:context xml:id="ctx0">
+      <inkml:inkSource xml:id="inkSrc0">
+        <inkml:traceFormat>
+          <inkml:channel name="X" type="integer" min="-2.14748E9" max="2.14748E9" units="cm"/>
+          <inkml:channel name="Y" type="integer" min="-2.14748E9" max="2.14748E9" units="cm"/>
+        </inkml:traceFormat>
+        <inkml:channelProperties>
+          <inkml:channelProperty channel="X" name="resolution" value="1000" units="1/cm"/>
+          <inkml:channelProperty channel="Y" name="resolution" value="1000" units="1/cm"/>
+        </inkml:channelProperties>
+      </inkml:inkSource>
+      <inkml:timestamp xml:id="ts0" timeString="2020-05-09T21:17:22.351"/>
+    </inkml:context>
+    <inkml:brush xml:id="br0">
+      <inkml:brushProperty name="width" value="0.2" units="cm"/>
+      <inkml:brushProperty name="height" value="0.2" units="cm"/>
+      <inkml:brushProperty name="color" value="#FFCC00"/>
+      <inkml:brushProperty name="ignorePressure" value="1"/>
+    </inkml:brush>
+  </inkml:definitions>
+  <inkml:trace contextRef="#ctx0" brushRef="#br0">1 0,'0'0</inkml:trace>
+</inkml:ink>
+</file>
+
+<file path=ppt/ink/ink16.xml><?xml version="1.0" encoding="utf-8"?>
+<inkml:ink xmlns:inkml="http://www.w3.org/2003/InkML">
+  <inkml:definitions>
+    <inkml:context xml:id="ctx0">
+      <inkml:inkSource xml:id="inkSrc0">
+        <inkml:traceFormat>
+          <inkml:channel name="X" type="integer" min="-2.14748E9" max="2.14748E9" units="cm"/>
+          <inkml:channel name="Y" type="integer" min="-2.14748E9" max="2.14748E9" units="cm"/>
+        </inkml:traceFormat>
+        <inkml:channelProperties>
+          <inkml:channelProperty channel="X" name="resolution" value="1000" units="1/cm"/>
+          <inkml:channelProperty channel="Y" name="resolution" value="1000" units="1/cm"/>
+        </inkml:channelProperties>
+      </inkml:inkSource>
+      <inkml:timestamp xml:id="ts0" timeString="2020-05-09T21:17:32.749"/>
+    </inkml:context>
+    <inkml:brush xml:id="br0">
+      <inkml:brushProperty name="width" value="0.2" units="cm"/>
+      <inkml:brushProperty name="height" value="0.2" units="cm"/>
+      <inkml:brushProperty name="color" value="#FFCC00"/>
+      <inkml:brushProperty name="ignorePressure" value="1"/>
+    </inkml:brush>
+  </inkml:definitions>
+  <inkml:trace contextRef="#ctx0" brushRef="#br0">1 1,'0'0</inkml:trace>
+</inkml:ink>
+</file>
+
+<file path=ppt/ink/ink17.xml><?xml version="1.0" encoding="utf-8"?>
+<inkml:ink xmlns:inkml="http://www.w3.org/2003/InkML">
+  <inkml:definitions>
+    <inkml:context xml:id="ctx0">
+      <inkml:inkSource xml:id="inkSrc0">
+        <inkml:traceFormat>
+          <inkml:channel name="X" type="integer" min="-2.14748E9" max="2.14748E9" units="cm"/>
+          <inkml:channel name="Y" type="integer" min="-2.14748E9" max="2.14748E9" units="cm"/>
+        </inkml:traceFormat>
+        <inkml:channelProperties>
+          <inkml:channelProperty channel="X" name="resolution" value="1000" units="1/cm"/>
+          <inkml:channelProperty channel="Y" name="resolution" value="1000" units="1/cm"/>
+        </inkml:channelProperties>
+      </inkml:inkSource>
+      <inkml:timestamp xml:id="ts0" timeString="2020-05-09T21:17:36.711"/>
+    </inkml:context>
+    <inkml:brush xml:id="br0">
+      <inkml:brushProperty name="width" value="0.2" units="cm"/>
+      <inkml:brushProperty name="height" value="0.2" units="cm"/>
+      <inkml:brushProperty name="color" value="#FFCC00"/>
+      <inkml:brushProperty name="ignorePressure" value="1"/>
+    </inkml:brush>
+  </inkml:definitions>
+  <inkml:trace contextRef="#ctx0" brushRef="#br0">0 1,'0'0</inkml:trace>
+</inkml:ink>
+</file>
+
+<file path=ppt/ink/ink18.xml><?xml version="1.0" encoding="utf-8"?>
+<inkml:ink xmlns:inkml="http://www.w3.org/2003/InkML">
+  <inkml:definitions>
+    <inkml:context xml:id="ctx0">
+      <inkml:inkSource xml:id="inkSrc0">
+        <inkml:traceFormat>
+          <inkml:channel name="X" type="integer" min="-2.14748E9" max="2.14748E9" units="cm"/>
+          <inkml:channel name="Y" type="integer" min="-2.14748E9" max="2.14748E9" units="cm"/>
+        </inkml:traceFormat>
+        <inkml:channelProperties>
+          <inkml:channelProperty channel="X" name="resolution" value="1000" units="1/cm"/>
+          <inkml:channelProperty channel="Y" name="resolution" value="1000" units="1/cm"/>
+        </inkml:channelProperties>
+      </inkml:inkSource>
+      <inkml:timestamp xml:id="ts0" timeString="2020-05-09T21:20:34.987"/>
+    </inkml:context>
+    <inkml:brush xml:id="br0">
+      <inkml:brushProperty name="width" value="0.2" units="cm"/>
+      <inkml:brushProperty name="height" value="0.2" units="cm"/>
+      <inkml:brushProperty name="color" value="#FF00FF"/>
+      <inkml:brushProperty name="ignorePressure" value="1"/>
+    </inkml:brush>
+  </inkml:definitions>
+  <inkml:trace contextRef="#ctx0" brushRef="#br0">0 0,'0'0</inkml:trace>
+</inkml:ink>
+</file>
+
+<file path=ppt/ink/ink19.xml><?xml version="1.0" encoding="utf-8"?>
+<inkml:ink xmlns:inkml="http://www.w3.org/2003/InkML">
+  <inkml:definitions>
+    <inkml:context xml:id="ctx0">
+      <inkml:inkSource xml:id="inkSrc0">
+        <inkml:traceFormat>
+          <inkml:channel name="X" type="integer" min="-2.14748E9" max="2.14748E9" units="cm"/>
+          <inkml:channel name="Y" type="integer" min="-2.14748E9" max="2.14748E9" units="cm"/>
+        </inkml:traceFormat>
+        <inkml:channelProperties>
+          <inkml:channelProperty channel="X" name="resolution" value="1000" units="1/cm"/>
+          <inkml:channelProperty channel="Y" name="resolution" value="1000" units="1/cm"/>
+        </inkml:channelProperties>
+      </inkml:inkSource>
+      <inkml:timestamp xml:id="ts0" timeString="2020-05-09T21:21:03.818"/>
+    </inkml:context>
+    <inkml:brush xml:id="br0">
+      <inkml:brushProperty name="width" value="0.2" units="cm"/>
+      <inkml:brushProperty name="height" value="0.2" units="cm"/>
+      <inkml:brushProperty name="color" value="#FF00FF"/>
+      <inkml:brushProperty name="ignorePressure" value="1"/>
+    </inkml:brush>
+  </inkml:definitions>
+  <inkml:trace contextRef="#ctx0" brushRef="#br0">0 1,'0'0</inkml:trace>
+</inkml:ink>
+</file>
+
+<file path=ppt/ink/ink2.xml><?xml version="1.0" encoding="utf-8"?>
+<inkml:ink xmlns:inkml="http://www.w3.org/2003/InkML">
+  <inkml:definitions>
+    <inkml:context xml:id="ctx0">
+      <inkml:inkSource xml:id="inkSrc0">
+        <inkml:traceFormat>
+          <inkml:channel name="X" type="integer" min="-2.14748E9" max="2.14748E9" units="cm"/>
+          <inkml:channel name="Y" type="integer" min="-2.14748E9" max="2.14748E9" units="cm"/>
+        </inkml:traceFormat>
+        <inkml:channelProperties>
+          <inkml:channelProperty channel="X" name="resolution" value="1000" units="1/cm"/>
+          <inkml:channelProperty channel="Y" name="resolution" value="1000" units="1/cm"/>
+        </inkml:channelProperties>
+      </inkml:inkSource>
+      <inkml:timestamp xml:id="ts0" timeString="2020-05-09T21:05:53.569"/>
+    </inkml:context>
+    <inkml:brush xml:id="br0">
+      <inkml:brushProperty name="width" value="0.2" units="cm"/>
+      <inkml:brushProperty name="height" value="0.2" units="cm"/>
+      <inkml:brushProperty name="color" value="#008C3A"/>
+      <inkml:brushProperty name="ignorePressure" value="1"/>
+    </inkml:brush>
+  </inkml:definitions>
+  <inkml:trace contextRef="#ctx0" brushRef="#br0">1 1,'0'0</inkml:trace>
+</inkml:ink>
+</file>
+
+<file path=ppt/ink/ink20.xml><?xml version="1.0" encoding="utf-8"?>
+<inkml:ink xmlns:inkml="http://www.w3.org/2003/InkML">
+  <inkml:definitions>
+    <inkml:context xml:id="ctx0">
+      <inkml:inkSource xml:id="inkSrc0">
+        <inkml:traceFormat>
+          <inkml:channel name="X" type="integer" min="-2.14748E9" max="2.14748E9" units="cm"/>
+          <inkml:channel name="Y" type="integer" min="-2.14748E9" max="2.14748E9" units="cm"/>
+        </inkml:traceFormat>
+        <inkml:channelProperties>
+          <inkml:channelProperty channel="X" name="resolution" value="1000" units="1/cm"/>
+          <inkml:channelProperty channel="Y" name="resolution" value="1000" units="1/cm"/>
+        </inkml:channelProperties>
+      </inkml:inkSource>
+      <inkml:timestamp xml:id="ts0" timeString="2020-05-09T21:21:41.350"/>
+    </inkml:context>
+    <inkml:brush xml:id="br0">
+      <inkml:brushProperty name="width" value="0.2" units="cm"/>
+      <inkml:brushProperty name="height" value="0.2" units="cm"/>
+      <inkml:brushProperty name="color" value="#FF00FF"/>
+      <inkml:brushProperty name="ignorePressure" value="1"/>
+    </inkml:brush>
+  </inkml:definitions>
+  <inkml:trace contextRef="#ctx0" brushRef="#br0">0 0</inkml:trace>
+</inkml:ink>
+</file>
+
+<file path=ppt/ink/ink21.xml><?xml version="1.0" encoding="utf-8"?>
+<inkml:ink xmlns:inkml="http://www.w3.org/2003/InkML">
+  <inkml:definitions>
+    <inkml:context xml:id="ctx0">
+      <inkml:inkSource xml:id="inkSrc0">
+        <inkml:traceFormat>
+          <inkml:channel name="X" type="integer" min="-2.14748E9" max="2.14748E9" units="cm"/>
+          <inkml:channel name="Y" type="integer" min="-2.14748E9" max="2.14748E9" units="cm"/>
+        </inkml:traceFormat>
+        <inkml:channelProperties>
+          <inkml:channelProperty channel="X" name="resolution" value="1000" units="1/cm"/>
+          <inkml:channelProperty channel="Y" name="resolution" value="1000" units="1/cm"/>
+        </inkml:channelProperties>
+      </inkml:inkSource>
+      <inkml:timestamp xml:id="ts0" timeString="2020-05-09T21:21:57.184"/>
+    </inkml:context>
+    <inkml:brush xml:id="br0">
+      <inkml:brushProperty name="width" value="0.2" units="cm"/>
+      <inkml:brushProperty name="height" value="0.2" units="cm"/>
+      <inkml:brushProperty name="color" value="#FF00FF"/>
+      <inkml:brushProperty name="ignorePressure" value="1"/>
+    </inkml:brush>
+  </inkml:definitions>
+  <inkml:trace contextRef="#ctx0" brushRef="#br0">1 1,'0'0</inkml:trace>
+</inkml:ink>
+</file>
+
+<file path=ppt/ink/ink22.xml><?xml version="1.0" encoding="utf-8"?>
+<inkml:ink xmlns:inkml="http://www.w3.org/2003/InkML">
+  <inkml:definitions>
+    <inkml:context xml:id="ctx0">
+      <inkml:inkSource xml:id="inkSrc0">
+        <inkml:traceFormat>
+          <inkml:channel name="X" type="integer" min="-2.14748E9" max="2.14748E9" units="cm"/>
+          <inkml:channel name="Y" type="integer" min="-2.14748E9" max="2.14748E9" units="cm"/>
+        </inkml:traceFormat>
+        <inkml:channelProperties>
+          <inkml:channelProperty channel="X" name="resolution" value="1000" units="1/cm"/>
+          <inkml:channelProperty channel="Y" name="resolution" value="1000" units="1/cm"/>
+        </inkml:channelProperties>
+      </inkml:inkSource>
+      <inkml:timestamp xml:id="ts0" timeString="2020-05-09T21:22:01.511"/>
+    </inkml:context>
+    <inkml:brush xml:id="br0">
+      <inkml:brushProperty name="width" value="0.2" units="cm"/>
+      <inkml:brushProperty name="height" value="0.2" units="cm"/>
+      <inkml:brushProperty name="color" value="#FF00FF"/>
+      <inkml:brushProperty name="ignorePressure" value="1"/>
+    </inkml:brush>
+  </inkml:definitions>
+  <inkml:trace contextRef="#ctx0" brushRef="#br0">1 1,'0'0</inkml:trace>
+</inkml:ink>
+</file>
+
+<file path=ppt/ink/ink23.xml><?xml version="1.0" encoding="utf-8"?>
+<inkml:ink xmlns:inkml="http://www.w3.org/2003/InkML">
+  <inkml:definitions>
+    <inkml:context xml:id="ctx0">
+      <inkml:inkSource xml:id="inkSrc0">
+        <inkml:traceFormat>
+          <inkml:channel name="X" type="integer" min="-2.14748E9" max="2.14748E9" units="cm"/>
+          <inkml:channel name="Y" type="integer" min="-2.14748E9" max="2.14748E9" units="cm"/>
+        </inkml:traceFormat>
+        <inkml:channelProperties>
+          <inkml:channelProperty channel="X" name="resolution" value="1000" units="1/cm"/>
+          <inkml:channelProperty channel="Y" name="resolution" value="1000" units="1/cm"/>
+        </inkml:channelProperties>
+      </inkml:inkSource>
+      <inkml:timestamp xml:id="ts0" timeString="2020-05-09T21:26:04.006"/>
+    </inkml:context>
+    <inkml:brush xml:id="br0">
+      <inkml:brushProperty name="width" value="0.2" units="cm"/>
+      <inkml:brushProperty name="height" value="0.2" units="cm"/>
+      <inkml:brushProperty name="color" value="#00FFFF"/>
+      <inkml:brushProperty name="ignorePressure" value="1"/>
+    </inkml:brush>
+  </inkml:definitions>
+  <inkml:trace contextRef="#ctx0" brushRef="#br0">1 0,'0'0</inkml:trace>
+</inkml:ink>
+</file>
+
+<file path=ppt/ink/ink24.xml><?xml version="1.0" encoding="utf-8"?>
+<inkml:ink xmlns:inkml="http://www.w3.org/2003/InkML">
+  <inkml:definitions>
+    <inkml:context xml:id="ctx0">
+      <inkml:inkSource xml:id="inkSrc0">
+        <inkml:traceFormat>
+          <inkml:channel name="X" type="integer" min="-2.14748E9" max="2.14748E9" units="cm"/>
+          <inkml:channel name="Y" type="integer" min="-2.14748E9" max="2.14748E9" units="cm"/>
+        </inkml:traceFormat>
+        <inkml:channelProperties>
+          <inkml:channelProperty channel="X" name="resolution" value="1000" units="1/cm"/>
+          <inkml:channelProperty channel="Y" name="resolution" value="1000" units="1/cm"/>
+        </inkml:channelProperties>
+      </inkml:inkSource>
+      <inkml:timestamp xml:id="ts0" timeString="2020-05-09T21:26:08.758"/>
+    </inkml:context>
+    <inkml:brush xml:id="br0">
+      <inkml:brushProperty name="width" value="0.2" units="cm"/>
+      <inkml:brushProperty name="height" value="0.2" units="cm"/>
+      <inkml:brushProperty name="color" value="#00FFFF"/>
+      <inkml:brushProperty name="ignorePressure" value="1"/>
+    </inkml:brush>
+  </inkml:definitions>
+  <inkml:trace contextRef="#ctx0" brushRef="#br0">0 1,'0'0</inkml:trace>
+</inkml:ink>
+</file>
+
+<file path=ppt/ink/ink3.xml><?xml version="1.0" encoding="utf-8"?>
+<inkml:ink xmlns:inkml="http://www.w3.org/2003/InkML">
+  <inkml:definitions>
+    <inkml:context xml:id="ctx0">
+      <inkml:inkSource xml:id="inkSrc0">
+        <inkml:traceFormat>
+          <inkml:channel name="X" type="integer" min="-2.14748E9" max="2.14748E9" units="cm"/>
+          <inkml:channel name="Y" type="integer" min="-2.14748E9" max="2.14748E9" units="cm"/>
+        </inkml:traceFormat>
+        <inkml:channelProperties>
+          <inkml:channelProperty channel="X" name="resolution" value="1000" units="1/cm"/>
+          <inkml:channelProperty channel="Y" name="resolution" value="1000" units="1/cm"/>
+        </inkml:channelProperties>
+      </inkml:inkSource>
+      <inkml:timestamp xml:id="ts0" timeString="2020-05-09T21:05:57.093"/>
+    </inkml:context>
+    <inkml:brush xml:id="br0">
+      <inkml:brushProperty name="width" value="0.2" units="cm"/>
+      <inkml:brushProperty name="height" value="0.2" units="cm"/>
+      <inkml:brushProperty name="color" value="#008C3A"/>
+      <inkml:brushProperty name="ignorePressure" value="1"/>
+    </inkml:brush>
+  </inkml:definitions>
+  <inkml:trace contextRef="#ctx0" brushRef="#br0">1 1,'0'0</inkml:trace>
+</inkml:ink>
+</file>
+
+<file path=ppt/ink/ink4.xml><?xml version="1.0" encoding="utf-8"?>
+<inkml:ink xmlns:inkml="http://www.w3.org/2003/InkML">
+  <inkml:definitions>
+    <inkml:context xml:id="ctx0">
+      <inkml:inkSource xml:id="inkSrc0">
+        <inkml:traceFormat>
+          <inkml:channel name="X" type="integer" min="-2.14748E9" max="2.14748E9" units="cm"/>
+          <inkml:channel name="Y" type="integer" min="-2.14748E9" max="2.14748E9" units="cm"/>
+        </inkml:traceFormat>
+        <inkml:channelProperties>
+          <inkml:channelProperty channel="X" name="resolution" value="1000" units="1/cm"/>
+          <inkml:channelProperty channel="Y" name="resolution" value="1000" units="1/cm"/>
+        </inkml:channelProperties>
+      </inkml:inkSource>
+      <inkml:timestamp xml:id="ts0" timeString="2020-05-09T21:05:58.705"/>
+    </inkml:context>
+    <inkml:brush xml:id="br0">
+      <inkml:brushProperty name="width" value="0.2" units="cm"/>
+      <inkml:brushProperty name="height" value="0.2" units="cm"/>
+      <inkml:brushProperty name="color" value="#008C3A"/>
+      <inkml:brushProperty name="ignorePressure" value="1"/>
+    </inkml:brush>
+  </inkml:definitions>
+  <inkml:trace contextRef="#ctx0" brushRef="#br0">1 1,'0'0</inkml:trace>
+</inkml:ink>
+</file>
+
+<file path=ppt/ink/ink5.xml><?xml version="1.0" encoding="utf-8"?>
+<inkml:ink xmlns:inkml="http://www.w3.org/2003/InkML">
+  <inkml:definitions>
+    <inkml:context xml:id="ctx0">
+      <inkml:inkSource xml:id="inkSrc0">
+        <inkml:traceFormat>
+          <inkml:channel name="X" type="integer" min="-2.14748E9" max="2.14748E9" units="cm"/>
+          <inkml:channel name="Y" type="integer" min="-2.14748E9" max="2.14748E9" units="cm"/>
+        </inkml:traceFormat>
+        <inkml:channelProperties>
+          <inkml:channelProperty channel="X" name="resolution" value="1000" units="1/cm"/>
+          <inkml:channelProperty channel="Y" name="resolution" value="1000" units="1/cm"/>
+        </inkml:channelProperties>
+      </inkml:inkSource>
+      <inkml:timestamp xml:id="ts0" timeString="2020-05-09T21:06:11.791"/>
+    </inkml:context>
+    <inkml:brush xml:id="br0">
+      <inkml:brushProperty name="width" value="0.2" units="cm"/>
+      <inkml:brushProperty name="height" value="0.2" units="cm"/>
+      <inkml:brushProperty name="color" value="#008C3A"/>
+      <inkml:brushProperty name="ignorePressure" value="1"/>
+    </inkml:brush>
+  </inkml:definitions>
+  <inkml:trace contextRef="#ctx0" brushRef="#br0">0 1,'0'0</inkml:trace>
+</inkml:ink>
+</file>
+
+<file path=ppt/ink/ink6.xml><?xml version="1.0" encoding="utf-8"?>
+<inkml:ink xmlns:inkml="http://www.w3.org/2003/InkML">
+  <inkml:definitions>
+    <inkml:context xml:id="ctx0">
+      <inkml:inkSource xml:id="inkSrc0">
+        <inkml:traceFormat>
+          <inkml:channel name="X" type="integer" min="-2.14748E9" max="2.14748E9" units="cm"/>
+          <inkml:channel name="Y" type="integer" min="-2.14748E9" max="2.14748E9" units="cm"/>
+        </inkml:traceFormat>
+        <inkml:channelProperties>
+          <inkml:channelProperty channel="X" name="resolution" value="1000" units="1/cm"/>
+          <inkml:channelProperty channel="Y" name="resolution" value="1000" units="1/cm"/>
+        </inkml:channelProperties>
+      </inkml:inkSource>
+      <inkml:timestamp xml:id="ts0" timeString="2020-05-09T21:10:00.583"/>
+    </inkml:context>
+    <inkml:brush xml:id="br0">
+      <inkml:brushProperty name="width" value="0.2" units="cm"/>
+      <inkml:brushProperty name="height" value="0.2" units="cm"/>
+      <inkml:brushProperty name="color" value="#9933FF"/>
+      <inkml:brushProperty name="ignorePressure" value="1"/>
+    </inkml:brush>
+  </inkml:definitions>
+  <inkml:trace contextRef="#ctx0" brushRef="#br0">0 0</inkml:trace>
+</inkml:ink>
+</file>
+
+<file path=ppt/ink/ink7.xml><?xml version="1.0" encoding="utf-8"?>
+<inkml:ink xmlns:inkml="http://www.w3.org/2003/InkML">
+  <inkml:definitions>
+    <inkml:context xml:id="ctx0">
+      <inkml:inkSource xml:id="inkSrc0">
+        <inkml:traceFormat>
+          <inkml:channel name="X" type="integer" min="-2.14748E9" max="2.14748E9" units="cm"/>
+          <inkml:channel name="Y" type="integer" min="-2.14748E9" max="2.14748E9" units="cm"/>
+        </inkml:traceFormat>
+        <inkml:channelProperties>
+          <inkml:channelProperty channel="X" name="resolution" value="1000" units="1/cm"/>
+          <inkml:channelProperty channel="Y" name="resolution" value="1000" units="1/cm"/>
+        </inkml:channelProperties>
+      </inkml:inkSource>
+      <inkml:timestamp xml:id="ts0" timeString="2020-05-09T21:10:04.404"/>
+    </inkml:context>
+    <inkml:brush xml:id="br0">
+      <inkml:brushProperty name="width" value="0.2" units="cm"/>
+      <inkml:brushProperty name="height" value="0.2" units="cm"/>
+      <inkml:brushProperty name="color" value="#9933FF"/>
+      <inkml:brushProperty name="ignorePressure" value="1"/>
+    </inkml:brush>
+  </inkml:definitions>
+  <inkml:trace contextRef="#ctx0" brushRef="#br0">0 1,'0'0</inkml:trace>
+</inkml:ink>
+</file>
+
+<file path=ppt/ink/ink8.xml><?xml version="1.0" encoding="utf-8"?>
+<inkml:ink xmlns:inkml="http://www.w3.org/2003/InkML">
+  <inkml:definitions>
+    <inkml:context xml:id="ctx0">
+      <inkml:inkSource xml:id="inkSrc0">
+        <inkml:traceFormat>
+          <inkml:channel name="X" type="integer" min="-2.14748E9" max="2.14748E9" units="cm"/>
+          <inkml:channel name="Y" type="integer" min="-2.14748E9" max="2.14748E9" units="cm"/>
+        </inkml:traceFormat>
+        <inkml:channelProperties>
+          <inkml:channelProperty channel="X" name="resolution" value="1000" units="1/cm"/>
+          <inkml:channelProperty channel="Y" name="resolution" value="1000" units="1/cm"/>
+        </inkml:channelProperties>
+      </inkml:inkSource>
+      <inkml:timestamp xml:id="ts0" timeString="2020-05-09T21:10:09.243"/>
+    </inkml:context>
+    <inkml:brush xml:id="br0">
+      <inkml:brushProperty name="width" value="0.2" units="cm"/>
+      <inkml:brushProperty name="height" value="0.2" units="cm"/>
+      <inkml:brushProperty name="color" value="#9933FF"/>
+      <inkml:brushProperty name="ignorePressure" value="1"/>
+    </inkml:brush>
+  </inkml:definitions>
+  <inkml:trace contextRef="#ctx0" brushRef="#br0">1 0</inkml:trace>
+</inkml:ink>
+</file>
+
+<file path=ppt/ink/ink9.xml><?xml version="1.0" encoding="utf-8"?>
+<inkml:ink xmlns:inkml="http://www.w3.org/2003/InkML">
+  <inkml:definitions>
+    <inkml:context xml:id="ctx0">
+      <inkml:inkSource xml:id="inkSrc0">
+        <inkml:traceFormat>
+          <inkml:channel name="X" type="integer" min="-2.14748E9" max="2.14748E9" units="cm"/>
+          <inkml:channel name="Y" type="integer" min="-2.14748E9" max="2.14748E9" units="cm"/>
+        </inkml:traceFormat>
+        <inkml:channelProperties>
+          <inkml:channelProperty channel="X" name="resolution" value="1000" units="1/cm"/>
+          <inkml:channelProperty channel="Y" name="resolution" value="1000" units="1/cm"/>
+        </inkml:channelProperties>
+      </inkml:inkSource>
+      <inkml:timestamp xml:id="ts0" timeString="2020-05-09T21:10:25.285"/>
+    </inkml:context>
+    <inkml:brush xml:id="br0">
+      <inkml:brushProperty name="width" value="0.2" units="cm"/>
+      <inkml:brushProperty name="height" value="0.2" units="cm"/>
+      <inkml:brushProperty name="color" value="#9933FF"/>
+      <inkml:brushProperty name="ignorePressure" value="1"/>
+    </inkml:brush>
+  </inkml:definitions>
+  <inkml:trace contextRef="#ctx0" brushRef="#br0">1 1</inkml:trace>
+</inkml:ink>
+</file>
+
 <file path=ppt/notesMasters/notesMaster1.xml><?xml version="1.0" encoding="utf-8"?>
 <p:notesMaster xmlns:a="http://schemas.openxmlformats.org/drawingml/2006/main" xmlns:r="http://schemas.openxmlformats.org/officeDocument/2006/relationships" xmlns:p="http://schemas.openxmlformats.org/presentationml/2006/main">
   <p:cSld>
@@ -206,7 +854,7 @@
           <a:p>
             <a:fld id="{9F244271-1F2C-4D6E-B0F6-340CEEEE1773}" type="datetimeFigureOut">
               <a:rPr lang="en-US" smtClean="0"/>
-              <a:t>5/7/2020</a:t>
+              <a:t>5/9/2020</a:t>
             </a:fld>
             <a:endParaRPr lang="en-US"/>
           </a:p>
@@ -688,7 +1336,10 @@
           <a:bodyPr/>
           <a:lstStyle/>
           <a:p>
-            <a:endParaRPr lang="en-US" dirty="0"/>
+            <a:r>
+              <a:rPr lang="en-US" dirty="0"/>
+              <a:t>Move ‘Can provide Knowledge’ from recommendation slide here and replace it with actionable insights on rec slide.</a:t>
+            </a:r>
           </a:p>
         </p:txBody>
       </p:sp>
@@ -869,12 +1520,91 @@
           <a:p>
             <a:r>
               <a:rPr lang="en-US" dirty="0"/>
-              <a:t>Add actionable recommendations and info about </a:t>
-            </a:r>
-            <a:r>
-              <a:rPr lang="en-US" dirty="0" err="1"/>
-              <a:t>coeff</a:t>
-            </a:r>
+              <a:t>Add title, axis labels to plot explain x-axis directions. Add feature names in () to bullet points. Add explicit</a:t>
+            </a:r>
+          </a:p>
+        </p:txBody>
+      </p:sp>
+      <p:sp>
+        <p:nvSpPr>
+          <p:cNvPr id="4" name="Slide Number Placeholder 3"/>
+          <p:cNvSpPr>
+            <a:spLocks noGrp="1"/>
+          </p:cNvSpPr>
+          <p:nvPr>
+            <p:ph type="sldNum" sz="quarter" idx="5"/>
+          </p:nvPr>
+        </p:nvSpPr>
+        <p:spPr/>
+        <p:txBody>
+          <a:bodyPr/>
+          <a:lstStyle/>
+          <a:p>
+            <a:fld id="{DFE1A522-C10D-4A19-ABEF-91EC50BF2A2E}" type="slidenum">
+              <a:rPr lang="en-US" smtClean="0"/>
+              <a:t>7</a:t>
+            </a:fld>
+            <a:endParaRPr lang="en-US"/>
+          </a:p>
+        </p:txBody>
+      </p:sp>
+    </p:spTree>
+    <p:extLst>
+      <p:ext uri="{BB962C8B-B14F-4D97-AF65-F5344CB8AC3E}">
+        <p14:creationId xmlns:p14="http://schemas.microsoft.com/office/powerpoint/2010/main" val="3190239782"/>
+      </p:ext>
+    </p:extLst>
+  </p:cSld>
+  <p:clrMapOvr>
+    <a:masterClrMapping/>
+  </p:clrMapOvr>
+</p:notes>
+</file>
+
+<file path=ppt/notesSlides/notesSlide6.xml><?xml version="1.0" encoding="utf-8"?>
+<p:notes xmlns:a="http://schemas.openxmlformats.org/drawingml/2006/main" xmlns:r="http://schemas.openxmlformats.org/officeDocument/2006/relationships" xmlns:p="http://schemas.openxmlformats.org/presentationml/2006/main">
+  <p:cSld>
+    <p:spTree>
+      <p:nvGrpSpPr>
+        <p:cNvPr id="1" name=""/>
+        <p:cNvGrpSpPr/>
+        <p:nvPr/>
+      </p:nvGrpSpPr>
+      <p:grpSpPr>
+        <a:xfrm>
+          <a:off x="0" y="0"/>
+          <a:ext cx="0" cy="0"/>
+          <a:chOff x="0" y="0"/>
+          <a:chExt cx="0" cy="0"/>
+        </a:xfrm>
+      </p:grpSpPr>
+      <p:sp>
+        <p:nvSpPr>
+          <p:cNvPr id="2" name="Slide Image Placeholder 1"/>
+          <p:cNvSpPr>
+            <a:spLocks noGrp="1" noRot="1" noChangeAspect="1"/>
+          </p:cNvSpPr>
+          <p:nvPr>
+            <p:ph type="sldImg"/>
+          </p:nvPr>
+        </p:nvSpPr>
+        <p:spPr/>
+      </p:sp>
+      <p:sp>
+        <p:nvSpPr>
+          <p:cNvPr id="3" name="Notes Placeholder 2"/>
+          <p:cNvSpPr>
+            <a:spLocks noGrp="1"/>
+          </p:cNvSpPr>
+          <p:nvPr>
+            <p:ph type="body" idx="1"/>
+          </p:nvPr>
+        </p:nvSpPr>
+        <p:spPr/>
+        <p:txBody>
+          <a:bodyPr/>
+          <a:lstStyle/>
+          <a:p>
             <a:endParaRPr lang="en-US" dirty="0"/>
           </a:p>
         </p:txBody>
@@ -1078,7 +1808,7 @@
           <a:p>
             <a:fld id="{D4A213A3-10E9-421F-81BE-56E0786AB515}" type="datetime2">
               <a:rPr lang="en-US" smtClean="0"/>
-              <a:t>Thursday, May 7, 2020</a:t>
+              <a:t>Saturday, May 9, 2020</a:t>
             </a:fld>
             <a:endParaRPr lang="en-US"/>
           </a:p>
@@ -1276,7 +2006,7 @@
           <a:p>
             <a:fld id="{3D5DABC0-2199-478F-BA77-33A651B6CB89}" type="datetime2">
               <a:rPr lang="en-US" smtClean="0"/>
-              <a:t>Thursday, May 7, 2020</a:t>
+              <a:t>Saturday, May 9, 2020</a:t>
             </a:fld>
             <a:endParaRPr lang="en-US"/>
           </a:p>
@@ -1485,7 +2215,7 @@
           <a:p>
             <a:fld id="{D72230C6-DF61-47F4-B8C5-1B70E884BF06}" type="datetime2">
               <a:rPr lang="en-US" smtClean="0"/>
-              <a:t>Thursday, May 7, 2020</a:t>
+              <a:t>Saturday, May 9, 2020</a:t>
             </a:fld>
             <a:endParaRPr lang="en-US"/>
           </a:p>
@@ -1695,7 +2425,7 @@
           <a:p>
             <a:fld id="{6B12B50C-7EEE-46CD-BAF7-BBC4026D959A}" type="datetime2">
               <a:rPr lang="en-US" smtClean="0"/>
-              <a:t>Thursday, May 7, 2020</a:t>
+              <a:t>Saturday, May 9, 2020</a:t>
             </a:fld>
             <a:endParaRPr lang="en-US"/>
           </a:p>
@@ -1975,7 +2705,7 @@
           <a:p>
             <a:fld id="{8D4211C4-AE09-4254-A5E3-6DA9B099C971}" type="datetime2">
               <a:rPr lang="en-US" smtClean="0"/>
-              <a:t>Thursday, May 7, 2020</a:t>
+              <a:t>Saturday, May 9, 2020</a:t>
             </a:fld>
             <a:endParaRPr lang="en-US"/>
           </a:p>
@@ -2254,7 +2984,7 @@
           <a:p>
             <a:fld id="{681742C3-E082-4760-93B2-E209268DD00C}" type="datetime2">
               <a:rPr lang="en-US" smtClean="0"/>
-              <a:t>Thursday, May 7, 2020</a:t>
+              <a:t>Saturday, May 9, 2020</a:t>
             </a:fld>
             <a:endParaRPr lang="en-US"/>
           </a:p>
@@ -2675,7 +3405,7 @@
           <a:p>
             <a:fld id="{3B6FC950-F824-48B9-B984-CAEE265865E5}" type="datetime2">
               <a:rPr lang="en-US" smtClean="0"/>
-              <a:t>Thursday, May 7, 2020</a:t>
+              <a:t>Saturday, May 9, 2020</a:t>
             </a:fld>
             <a:endParaRPr lang="en-US"/>
           </a:p>
@@ -2828,7 +3558,7 @@
           <a:p>
             <a:fld id="{BC8E3A0F-68E7-4D17-BB84-ED1BA4F6AC6B}" type="datetime2">
               <a:rPr lang="en-US" smtClean="0"/>
-              <a:t>Thursday, May 7, 2020</a:t>
+              <a:t>Saturday, May 9, 2020</a:t>
             </a:fld>
             <a:endParaRPr lang="en-US"/>
           </a:p>
@@ -2941,7 +3671,7 @@
           <a:p>
             <a:fld id="{EDB7BC4F-EDA1-4BA2-BFF3-FE5B31CCB58B}" type="datetime2">
               <a:rPr lang="en-US" smtClean="0"/>
-              <a:t>Thursday, May 7, 2020</a:t>
+              <a:t>Saturday, May 9, 2020</a:t>
             </a:fld>
             <a:endParaRPr lang="en-US"/>
           </a:p>
@@ -3255,7 +3985,7 @@
           <a:p>
             <a:fld id="{3AAE694C-1394-4838-A564-7380835C2E77}" type="datetime2">
               <a:rPr lang="en-US" smtClean="0"/>
-              <a:t>Thursday, May 7, 2020</a:t>
+              <a:t>Saturday, May 9, 2020</a:t>
             </a:fld>
             <a:endParaRPr lang="en-US"/>
           </a:p>
@@ -3548,7 +4278,7 @@
           <a:p>
             <a:fld id="{CAB84B19-1A00-4EDB-8425-E1827A377364}" type="datetime2">
               <a:rPr lang="en-US" smtClean="0"/>
-              <a:t>Thursday, May 7, 2020</a:t>
+              <a:t>Saturday, May 9, 2020</a:t>
             </a:fld>
             <a:endParaRPr lang="en-US"/>
           </a:p>
@@ -3917,7 +4647,7 @@
           <a:p>
             <a:fld id="{10076A27-8146-4F75-9851-A83577C6FD8A}" type="datetime2">
               <a:rPr lang="en-US" smtClean="0"/>
-              <a:t>Thursday, May 7, 2020</a:t>
+              <a:t>Saturday, May 9, 2020</a:t>
             </a:fld>
             <a:endParaRPr lang="en-US"/>
           </a:p>
@@ -5960,6 +6690,33 @@
             </a:r>
           </a:p>
           <a:p>
+            <a:r>
+              <a:rPr lang="en-US" dirty="0"/>
+              <a:t>Can provide knowledge to:</a:t>
+            </a:r>
+          </a:p>
+          <a:p>
+            <a:pPr lvl="1"/>
+            <a:r>
+              <a:rPr lang="en-US" dirty="0"/>
+              <a:t>Trainers / Fighters</a:t>
+            </a:r>
+          </a:p>
+          <a:p>
+            <a:pPr lvl="1"/>
+            <a:r>
+              <a:rPr lang="en-US" dirty="0"/>
+              <a:t>Advertisers / TV Networks / Promoters</a:t>
+            </a:r>
+          </a:p>
+          <a:p>
+            <a:pPr lvl="1"/>
+            <a:r>
+              <a:rPr lang="en-US" dirty="0"/>
+              <a:t>Combat sports organizers (e.g. UFC)</a:t>
+            </a:r>
+          </a:p>
+          <a:p>
             <a:pPr lvl="1"/>
             <a:endParaRPr lang="en-US" dirty="0"/>
           </a:p>
@@ -6428,81 +7185,135 @@
         </p:nvSpPr>
         <p:spPr>
           <a:xfrm>
-            <a:off x="1371600" y="2114939"/>
-            <a:ext cx="4382932" cy="3388393"/>
+            <a:off x="1369811" y="2114939"/>
+            <a:ext cx="4620291" cy="3949621"/>
           </a:xfrm>
         </p:spPr>
         <p:txBody>
           <a:bodyPr>
-            <a:normAutofit fontScale="77500" lnSpcReduction="20000"/>
+            <a:normAutofit fontScale="85000" lnSpcReduction="10000"/>
           </a:bodyPr>
           <a:lstStyle/>
           <a:p>
+            <a:pPr marL="0" indent="0" algn="ctr">
+              <a:buNone/>
+            </a:pPr>
+            <a:r>
+              <a:rPr lang="en-US" b="1" u="sng" dirty="0"/>
+              <a:t>Top 20 values taken from final model</a:t>
+            </a:r>
+          </a:p>
+          <a:p>
             <a:r>
               <a:rPr lang="en-US" dirty="0"/>
-              <a:t>Top 20 values taken from final model:</a:t>
+              <a:t>Ground game is important! (</a:t>
+            </a:r>
+            <a:r>
+              <a:rPr lang="en-US" b="1" dirty="0">
+                <a:solidFill>
+                  <a:schemeClr val="accent3"/>
+                </a:solidFill>
+              </a:rPr>
+              <a:t>green dots</a:t>
+            </a:r>
+            <a:r>
+              <a:rPr lang="en-US" dirty="0"/>
+              <a:t>)</a:t>
+            </a:r>
+          </a:p>
+          <a:p>
+            <a:r>
+              <a:rPr lang="en-US" dirty="0"/>
+              <a:t>Working the clinch/space control (</a:t>
+            </a:r>
+            <a:r>
+              <a:rPr lang="en-US" b="1" dirty="0">
+                <a:solidFill>
+                  <a:srgbClr val="7030A0"/>
+                </a:solidFill>
+              </a:rPr>
+              <a:t>purple dots</a:t>
+            </a:r>
+            <a:r>
+              <a:rPr lang="en-US" dirty="0"/>
+              <a:t>)</a:t>
+            </a:r>
+          </a:p>
+          <a:p>
+            <a:r>
+              <a:rPr lang="en-US" dirty="0"/>
+              <a:t>Diversify your striking plan (</a:t>
+            </a:r>
+            <a:r>
+              <a:rPr lang="en-US" b="1" dirty="0">
+                <a:solidFill>
+                  <a:srgbClr val="FFC000"/>
+                </a:solidFill>
+              </a:rPr>
+              <a:t>orange dots</a:t>
+            </a:r>
+            <a:r>
+              <a:rPr lang="en-US" dirty="0"/>
+              <a:t>)</a:t>
+            </a:r>
+          </a:p>
+          <a:p>
+            <a:r>
+              <a:rPr lang="en-US" dirty="0"/>
+              <a:t>Experience can help </a:t>
+            </a:r>
+            <a:r>
+              <a:rPr lang="en-US" u="sng" dirty="0"/>
+              <a:t>or </a:t>
+            </a:r>
+            <a:r>
+              <a:rPr lang="en-US" dirty="0"/>
+              <a:t>hurt (</a:t>
+            </a:r>
+            <a:r>
+              <a:rPr lang="en-US" b="1" dirty="0">
+                <a:solidFill>
+                  <a:srgbClr val="FF00FF"/>
+                </a:solidFill>
+              </a:rPr>
+              <a:t>pink dots</a:t>
+            </a:r>
+            <a:r>
+              <a:rPr lang="en-US" dirty="0"/>
+              <a:t>)</a:t>
             </a:r>
           </a:p>
           <a:p>
             <a:pPr lvl="1"/>
             <a:r>
               <a:rPr lang="en-US" dirty="0"/>
-              <a:t>The older/more weathered your opponent is</a:t>
+              <a:t>Staying elusive and executing plan is key</a:t>
+            </a:r>
+          </a:p>
+          <a:p>
+            <a:r>
+              <a:rPr lang="en-US" dirty="0"/>
+              <a:t>Physical dominance always helps (</a:t>
+            </a:r>
+            <a:r>
+              <a:rPr lang="en-US" b="1" dirty="0">
+                <a:solidFill>
+                  <a:srgbClr val="66FFFF"/>
+                </a:solidFill>
+              </a:rPr>
+              <a:t>cyan dots</a:t>
+            </a:r>
+            <a:r>
+              <a:rPr lang="en-US" dirty="0"/>
+              <a:t>)</a:t>
             </a:r>
           </a:p>
           <a:p>
             <a:pPr lvl="1"/>
             <a:r>
               <a:rPr lang="en-US" dirty="0"/>
-              <a:t>The more you’ve “finished”</a:t>
-            </a:r>
-          </a:p>
-          <a:p>
-            <a:pPr lvl="1"/>
-            <a:r>
-              <a:rPr lang="en-US" dirty="0"/>
-              <a:t>The more you can stay elusive</a:t>
-            </a:r>
-          </a:p>
-          <a:p>
-            <a:pPr lvl="1"/>
-            <a:r>
-              <a:rPr lang="en-US" dirty="0"/>
-              <a:t>The more you can stay active</a:t>
-            </a:r>
-          </a:p>
-          <a:p>
-            <a:pPr lvl="1"/>
-            <a:r>
-              <a:rPr lang="en-US" dirty="0"/>
-              <a:t>The more in ring experience you have</a:t>
-            </a:r>
-          </a:p>
-          <a:p>
-            <a:pPr lvl="2"/>
-            <a:r>
-              <a:rPr lang="en-US" dirty="0"/>
-              <a:t>Staying safe of course</a:t>
-            </a:r>
-          </a:p>
-          <a:p>
-            <a:pPr lvl="1"/>
-            <a:endParaRPr lang="en-US" dirty="0"/>
-          </a:p>
-          <a:p>
-            <a:r>
-              <a:rPr lang="en-US" dirty="0"/>
-              <a:t>Negative number favors Red to win</a:t>
-            </a:r>
-          </a:p>
-          <a:p>
-            <a:r>
-              <a:rPr lang="en-US" dirty="0"/>
-              <a:t>Positive number favors Blue to win</a:t>
-            </a:r>
-          </a:p>
-          <a:p>
-            <a:endParaRPr lang="en-US" dirty="0"/>
+              <a:t>Open weight fights allow for cross-weight bouts</a:t>
+            </a:r>
           </a:p>
           <a:p>
             <a:endParaRPr lang="en-US" dirty="0"/>
@@ -6514,7 +7325,7 @@
           <p:cNvPr id="1026" name="Picture 2">
             <a:extLst>
               <a:ext uri="{FF2B5EF4-FFF2-40B4-BE49-F238E27FC236}">
-                <a16:creationId xmlns:a16="http://schemas.microsoft.com/office/drawing/2014/main" id="{305DAA14-2CD2-45D1-8CFC-5CE325B095DF}"/>
+                <a16:creationId xmlns:a16="http://schemas.microsoft.com/office/drawing/2014/main" id="{027E7136-C58C-450C-B7D5-2888CF444407}"/>
               </a:ext>
             </a:extLst>
           </p:cNvPr>
@@ -6524,7 +7335,7 @@
           <p:nvPr/>
         </p:nvPicPr>
         <p:blipFill>
-          <a:blip r:embed="rId2">
+          <a:blip r:embed="rId3">
             <a:extLst>
               <a:ext uri="{28A0092B-C50C-407E-A947-70E740481C1C}">
                 <a14:useLocalDpi xmlns:a14="http://schemas.microsoft.com/office/drawing/2010/main" val="0"/>
@@ -6538,24 +7349,1251 @@
         </p:blipFill>
         <p:spPr bwMode="auto">
           <a:xfrm>
-            <a:off x="5754532" y="2026568"/>
-            <a:ext cx="5397023" cy="3905250"/>
+            <a:off x="6096000" y="2026568"/>
+            <a:ext cx="5857971" cy="4099224"/>
           </a:xfrm>
-          <a:prstGeom prst="rect">
-            <a:avLst/>
+          <a:prstGeom prst="roundRect">
+            <a:avLst>
+              <a:gd name="adj" fmla="val 8594"/>
+            </a:avLst>
           </a:prstGeom>
-          <a:noFill/>
-          <a:extLst>
-            <a:ext uri="{909E8E84-426E-40DD-AFC4-6F175D3DCCD1}">
-              <a14:hiddenFill xmlns:a14="http://schemas.microsoft.com/office/drawing/2010/main">
-                <a:solidFill>
-                  <a:srgbClr val="FFFFFF"/>
-                </a:solidFill>
-              </a14:hiddenFill>
-            </a:ext>
-          </a:extLst>
+          <a:solidFill>
+            <a:srgbClr val="FFFFFF">
+              <a:shade val="85000"/>
+            </a:srgbClr>
+          </a:solidFill>
+          <a:ln>
+            <a:noFill/>
+          </a:ln>
+          <a:effectLst>
+            <a:reflection blurRad="12700" stA="29000" endPos="9000" dist="5000" dir="5400000" sy="-100000" algn="bl" rotWithShape="0"/>
+          </a:effectLst>
         </p:spPr>
       </p:pic>
+      <mc:AlternateContent xmlns:mc="http://schemas.openxmlformats.org/markup-compatibility/2006" xmlns:p14="http://schemas.microsoft.com/office/powerpoint/2010/main">
+        <mc:Choice Requires="p14">
+          <p:contentPart p14:bwMode="auto" r:id="rId4">
+            <p14:nvContentPartPr>
+              <p14:cNvPr id="6" name="Ink 5">
+                <a:extLst>
+                  <a:ext uri="{FF2B5EF4-FFF2-40B4-BE49-F238E27FC236}">
+                    <a16:creationId xmlns:a16="http://schemas.microsoft.com/office/drawing/2014/main" id="{D57FF9B4-E8BC-4C00-BA4B-92EF015C5267}"/>
+                  </a:ext>
+                </a:extLst>
+              </p14:cNvPr>
+              <p14:cNvContentPartPr/>
+              <p14:nvPr/>
+            </p14:nvContentPartPr>
+            <p14:xfrm>
+              <a:off x="6524191" y="2687763"/>
+              <a:ext cx="360" cy="360"/>
+            </p14:xfrm>
+          </p:contentPart>
+        </mc:Choice>
+        <mc:Fallback xmlns="">
+          <p:pic>
+            <p:nvPicPr>
+              <p:cNvPr id="6" name="Ink 5">
+                <a:extLst>
+                  <a:ext uri="{FF2B5EF4-FFF2-40B4-BE49-F238E27FC236}">
+                    <a16:creationId xmlns:a16="http://schemas.microsoft.com/office/drawing/2014/main" id="{D57FF9B4-E8BC-4C00-BA4B-92EF015C5267}"/>
+                  </a:ext>
+                </a:extLst>
+              </p:cNvPr>
+              <p:cNvPicPr/>
+              <p:nvPr/>
+            </p:nvPicPr>
+            <p:blipFill>
+              <a:blip r:embed="rId5"/>
+              <a:stretch>
+                <a:fillRect/>
+              </a:stretch>
+            </p:blipFill>
+            <p:spPr>
+              <a:xfrm>
+                <a:off x="6488551" y="2652123"/>
+                <a:ext cx="72000" cy="72000"/>
+              </a:xfrm>
+              <a:prstGeom prst="rect">
+                <a:avLst/>
+              </a:prstGeom>
+            </p:spPr>
+          </p:pic>
+        </mc:Fallback>
+      </mc:AlternateContent>
+      <mc:AlternateContent xmlns:mc="http://schemas.openxmlformats.org/markup-compatibility/2006" xmlns:p14="http://schemas.microsoft.com/office/powerpoint/2010/main">
+        <mc:Choice Requires="p14">
+          <p:contentPart p14:bwMode="auto" r:id="rId6">
+            <p14:nvContentPartPr>
+              <p14:cNvPr id="8" name="Ink 7">
+                <a:extLst>
+                  <a:ext uri="{FF2B5EF4-FFF2-40B4-BE49-F238E27FC236}">
+                    <a16:creationId xmlns:a16="http://schemas.microsoft.com/office/drawing/2014/main" id="{17FA1EB1-E376-401C-822C-AE26F5ABF38A}"/>
+                  </a:ext>
+                </a:extLst>
+              </p14:cNvPr>
+              <p14:cNvContentPartPr/>
+              <p14:nvPr/>
+            </p14:nvContentPartPr>
+            <p14:xfrm>
+              <a:off x="6331591" y="3389403"/>
+              <a:ext cx="360" cy="360"/>
+            </p14:xfrm>
+          </p:contentPart>
+        </mc:Choice>
+        <mc:Fallback xmlns="">
+          <p:pic>
+            <p:nvPicPr>
+              <p:cNvPr id="8" name="Ink 7">
+                <a:extLst>
+                  <a:ext uri="{FF2B5EF4-FFF2-40B4-BE49-F238E27FC236}">
+                    <a16:creationId xmlns:a16="http://schemas.microsoft.com/office/drawing/2014/main" id="{17FA1EB1-E376-401C-822C-AE26F5ABF38A}"/>
+                  </a:ext>
+                </a:extLst>
+              </p:cNvPr>
+              <p:cNvPicPr/>
+              <p:nvPr/>
+            </p:nvPicPr>
+            <p:blipFill>
+              <a:blip r:embed="rId5"/>
+              <a:stretch>
+                <a:fillRect/>
+              </a:stretch>
+            </p:blipFill>
+            <p:spPr>
+              <a:xfrm>
+                <a:off x="6295951" y="3353763"/>
+                <a:ext cx="72000" cy="72000"/>
+              </a:xfrm>
+              <a:prstGeom prst="rect">
+                <a:avLst/>
+              </a:prstGeom>
+            </p:spPr>
+          </p:pic>
+        </mc:Fallback>
+      </mc:AlternateContent>
+      <mc:AlternateContent xmlns:mc="http://schemas.openxmlformats.org/markup-compatibility/2006" xmlns:p14="http://schemas.microsoft.com/office/powerpoint/2010/main">
+        <mc:Choice Requires="p14">
+          <p:contentPart p14:bwMode="auto" r:id="rId7">
+            <p14:nvContentPartPr>
+              <p14:cNvPr id="9" name="Ink 8">
+                <a:extLst>
+                  <a:ext uri="{FF2B5EF4-FFF2-40B4-BE49-F238E27FC236}">
+                    <a16:creationId xmlns:a16="http://schemas.microsoft.com/office/drawing/2014/main" id="{061ADA2C-E5FF-469E-A11E-4AFD22E82054}"/>
+                  </a:ext>
+                </a:extLst>
+              </p14:cNvPr>
+              <p14:cNvContentPartPr/>
+              <p14:nvPr/>
+            </p14:nvContentPartPr>
+            <p14:xfrm>
+              <a:off x="6104791" y="3052083"/>
+              <a:ext cx="360" cy="360"/>
+            </p14:xfrm>
+          </p:contentPart>
+        </mc:Choice>
+        <mc:Fallback xmlns="">
+          <p:pic>
+            <p:nvPicPr>
+              <p:cNvPr id="9" name="Ink 8">
+                <a:extLst>
+                  <a:ext uri="{FF2B5EF4-FFF2-40B4-BE49-F238E27FC236}">
+                    <a16:creationId xmlns:a16="http://schemas.microsoft.com/office/drawing/2014/main" id="{061ADA2C-E5FF-469E-A11E-4AFD22E82054}"/>
+                  </a:ext>
+                </a:extLst>
+              </p:cNvPr>
+              <p:cNvPicPr/>
+              <p:nvPr/>
+            </p:nvPicPr>
+            <p:blipFill>
+              <a:blip r:embed="rId5"/>
+              <a:stretch>
+                <a:fillRect/>
+              </a:stretch>
+            </p:blipFill>
+            <p:spPr>
+              <a:xfrm>
+                <a:off x="6069151" y="3016443"/>
+                <a:ext cx="72000" cy="72000"/>
+              </a:xfrm>
+              <a:prstGeom prst="rect">
+                <a:avLst/>
+              </a:prstGeom>
+            </p:spPr>
+          </p:pic>
+        </mc:Fallback>
+      </mc:AlternateContent>
+      <mc:AlternateContent xmlns:mc="http://schemas.openxmlformats.org/markup-compatibility/2006" xmlns:p14="http://schemas.microsoft.com/office/powerpoint/2010/main">
+        <mc:Choice Requires="p14">
+          <p:contentPart p14:bwMode="auto" r:id="rId8">
+            <p14:nvContentPartPr>
+              <p14:cNvPr id="10" name="Ink 9">
+                <a:extLst>
+                  <a:ext uri="{FF2B5EF4-FFF2-40B4-BE49-F238E27FC236}">
+                    <a16:creationId xmlns:a16="http://schemas.microsoft.com/office/drawing/2014/main" id="{77A24AFD-E0D1-4D96-8657-99504EAF6126}"/>
+                  </a:ext>
+                </a:extLst>
+              </p14:cNvPr>
+              <p14:cNvContentPartPr/>
+              <p14:nvPr/>
+            </p14:nvContentPartPr>
+            <p14:xfrm>
+              <a:off x="6290191" y="2344323"/>
+              <a:ext cx="360" cy="360"/>
+            </p14:xfrm>
+          </p:contentPart>
+        </mc:Choice>
+        <mc:Fallback xmlns="">
+          <p:pic>
+            <p:nvPicPr>
+              <p:cNvPr id="10" name="Ink 9">
+                <a:extLst>
+                  <a:ext uri="{FF2B5EF4-FFF2-40B4-BE49-F238E27FC236}">
+                    <a16:creationId xmlns:a16="http://schemas.microsoft.com/office/drawing/2014/main" id="{77A24AFD-E0D1-4D96-8657-99504EAF6126}"/>
+                  </a:ext>
+                </a:extLst>
+              </p:cNvPr>
+              <p:cNvPicPr/>
+              <p:nvPr/>
+            </p:nvPicPr>
+            <p:blipFill>
+              <a:blip r:embed="rId5"/>
+              <a:stretch>
+                <a:fillRect/>
+              </a:stretch>
+            </p:blipFill>
+            <p:spPr>
+              <a:xfrm>
+                <a:off x="6254551" y="2308683"/>
+                <a:ext cx="72000" cy="72000"/>
+              </a:xfrm>
+              <a:prstGeom prst="rect">
+                <a:avLst/>
+              </a:prstGeom>
+            </p:spPr>
+          </p:pic>
+        </mc:Fallback>
+      </mc:AlternateContent>
+      <mc:AlternateContent xmlns:mc="http://schemas.openxmlformats.org/markup-compatibility/2006" xmlns:p14="http://schemas.microsoft.com/office/powerpoint/2010/main">
+        <mc:Choice Requires="p14">
+          <p:contentPart p14:bwMode="auto" r:id="rId9">
+            <p14:nvContentPartPr>
+              <p14:cNvPr id="11" name="Ink 10">
+                <a:extLst>
+                  <a:ext uri="{FF2B5EF4-FFF2-40B4-BE49-F238E27FC236}">
+                    <a16:creationId xmlns:a16="http://schemas.microsoft.com/office/drawing/2014/main" id="{1A00FD43-69B0-4F39-A547-C009857DD88F}"/>
+                  </a:ext>
+                </a:extLst>
+              </p14:cNvPr>
+              <p14:cNvContentPartPr/>
+              <p14:nvPr/>
+            </p14:nvContentPartPr>
+            <p14:xfrm>
+              <a:off x="6654871" y="5307483"/>
+              <a:ext cx="360" cy="360"/>
+            </p14:xfrm>
+          </p:contentPart>
+        </mc:Choice>
+        <mc:Fallback xmlns="">
+          <p:pic>
+            <p:nvPicPr>
+              <p:cNvPr id="11" name="Ink 10">
+                <a:extLst>
+                  <a:ext uri="{FF2B5EF4-FFF2-40B4-BE49-F238E27FC236}">
+                    <a16:creationId xmlns:a16="http://schemas.microsoft.com/office/drawing/2014/main" id="{1A00FD43-69B0-4F39-A547-C009857DD88F}"/>
+                  </a:ext>
+                </a:extLst>
+              </p:cNvPr>
+              <p:cNvPicPr/>
+              <p:nvPr/>
+            </p:nvPicPr>
+            <p:blipFill>
+              <a:blip r:embed="rId5"/>
+              <a:stretch>
+                <a:fillRect/>
+              </a:stretch>
+            </p:blipFill>
+            <p:spPr>
+              <a:xfrm>
+                <a:off x="6618871" y="5271843"/>
+                <a:ext cx="72000" cy="72000"/>
+              </a:xfrm>
+              <a:prstGeom prst="rect">
+                <a:avLst/>
+              </a:prstGeom>
+            </p:spPr>
+          </p:pic>
+        </mc:Fallback>
+      </mc:AlternateContent>
+      <mc:AlternateContent xmlns:mc="http://schemas.openxmlformats.org/markup-compatibility/2006" xmlns:p14="http://schemas.microsoft.com/office/powerpoint/2010/main">
+        <mc:Choice Requires="p14">
+          <p:contentPart p14:bwMode="auto" r:id="rId10">
+            <p14:nvContentPartPr>
+              <p14:cNvPr id="16" name="Ink 15">
+                <a:extLst>
+                  <a:ext uri="{FF2B5EF4-FFF2-40B4-BE49-F238E27FC236}">
+                    <a16:creationId xmlns:a16="http://schemas.microsoft.com/office/drawing/2014/main" id="{AC3421F5-CCC2-452C-805A-00DE540D381E}"/>
+                  </a:ext>
+                </a:extLst>
+              </p14:cNvPr>
+              <p14:cNvContentPartPr/>
+              <p14:nvPr/>
+            </p14:nvContentPartPr>
+            <p14:xfrm>
+              <a:off x="6531391" y="2873883"/>
+              <a:ext cx="360" cy="360"/>
+            </p14:xfrm>
+          </p:contentPart>
+        </mc:Choice>
+        <mc:Fallback xmlns="">
+          <p:pic>
+            <p:nvPicPr>
+              <p:cNvPr id="16" name="Ink 15">
+                <a:extLst>
+                  <a:ext uri="{FF2B5EF4-FFF2-40B4-BE49-F238E27FC236}">
+                    <a16:creationId xmlns:a16="http://schemas.microsoft.com/office/drawing/2014/main" id="{AC3421F5-CCC2-452C-805A-00DE540D381E}"/>
+                  </a:ext>
+                </a:extLst>
+              </p:cNvPr>
+              <p:cNvPicPr/>
+              <p:nvPr/>
+            </p:nvPicPr>
+            <p:blipFill>
+              <a:blip r:embed="rId11"/>
+              <a:stretch>
+                <a:fillRect/>
+              </a:stretch>
+            </p:blipFill>
+            <p:spPr>
+              <a:xfrm>
+                <a:off x="6495391" y="2837883"/>
+                <a:ext cx="72000" cy="72000"/>
+              </a:xfrm>
+              <a:prstGeom prst="rect">
+                <a:avLst/>
+              </a:prstGeom>
+            </p:spPr>
+          </p:pic>
+        </mc:Fallback>
+      </mc:AlternateContent>
+      <mc:AlternateContent xmlns:mc="http://schemas.openxmlformats.org/markup-compatibility/2006" xmlns:p14="http://schemas.microsoft.com/office/powerpoint/2010/main">
+        <mc:Choice Requires="p14">
+          <p:contentPart p14:bwMode="auto" r:id="rId12">
+            <p14:nvContentPartPr>
+              <p14:cNvPr id="17" name="Ink 16">
+                <a:extLst>
+                  <a:ext uri="{FF2B5EF4-FFF2-40B4-BE49-F238E27FC236}">
+                    <a16:creationId xmlns:a16="http://schemas.microsoft.com/office/drawing/2014/main" id="{721D86A7-024F-4C6B-987B-C22C4922B5EF}"/>
+                  </a:ext>
+                </a:extLst>
+              </p14:cNvPr>
+              <p14:cNvContentPartPr/>
+              <p14:nvPr/>
+            </p14:nvContentPartPr>
+            <p14:xfrm>
+              <a:off x="6366151" y="3739683"/>
+              <a:ext cx="360" cy="360"/>
+            </p14:xfrm>
+          </p:contentPart>
+        </mc:Choice>
+        <mc:Fallback xmlns="">
+          <p:pic>
+            <p:nvPicPr>
+              <p:cNvPr id="17" name="Ink 16">
+                <a:extLst>
+                  <a:ext uri="{FF2B5EF4-FFF2-40B4-BE49-F238E27FC236}">
+                    <a16:creationId xmlns:a16="http://schemas.microsoft.com/office/drawing/2014/main" id="{721D86A7-024F-4C6B-987B-C22C4922B5EF}"/>
+                  </a:ext>
+                </a:extLst>
+              </p:cNvPr>
+              <p:cNvPicPr/>
+              <p:nvPr/>
+            </p:nvPicPr>
+            <p:blipFill>
+              <a:blip r:embed="rId11"/>
+              <a:stretch>
+                <a:fillRect/>
+              </a:stretch>
+            </p:blipFill>
+            <p:spPr>
+              <a:xfrm>
+                <a:off x="6330151" y="3704043"/>
+                <a:ext cx="72000" cy="72000"/>
+              </a:xfrm>
+              <a:prstGeom prst="rect">
+                <a:avLst/>
+              </a:prstGeom>
+            </p:spPr>
+          </p:pic>
+        </mc:Fallback>
+      </mc:AlternateContent>
+      <mc:AlternateContent xmlns:mc="http://schemas.openxmlformats.org/markup-compatibility/2006" xmlns:p14="http://schemas.microsoft.com/office/powerpoint/2010/main">
+        <mc:Choice Requires="p14">
+          <p:contentPart p14:bwMode="auto" r:id="rId13">
+            <p14:nvContentPartPr>
+              <p14:cNvPr id="18" name="Ink 17">
+                <a:extLst>
+                  <a:ext uri="{FF2B5EF4-FFF2-40B4-BE49-F238E27FC236}">
+                    <a16:creationId xmlns:a16="http://schemas.microsoft.com/office/drawing/2014/main" id="{19E41DC0-6D17-415E-903B-F18F474788BD}"/>
+                  </a:ext>
+                </a:extLst>
+              </p14:cNvPr>
+              <p14:cNvContentPartPr/>
+              <p14:nvPr/>
+            </p14:nvContentPartPr>
+            <p14:xfrm>
+              <a:off x="6345271" y="4599363"/>
+              <a:ext cx="360" cy="360"/>
+            </p14:xfrm>
+          </p:contentPart>
+        </mc:Choice>
+        <mc:Fallback xmlns="">
+          <p:pic>
+            <p:nvPicPr>
+              <p:cNvPr id="18" name="Ink 17">
+                <a:extLst>
+                  <a:ext uri="{FF2B5EF4-FFF2-40B4-BE49-F238E27FC236}">
+                    <a16:creationId xmlns:a16="http://schemas.microsoft.com/office/drawing/2014/main" id="{19E41DC0-6D17-415E-903B-F18F474788BD}"/>
+                  </a:ext>
+                </a:extLst>
+              </p:cNvPr>
+              <p:cNvPicPr/>
+              <p:nvPr/>
+            </p:nvPicPr>
+            <p:blipFill>
+              <a:blip r:embed="rId11"/>
+              <a:stretch>
+                <a:fillRect/>
+              </a:stretch>
+            </p:blipFill>
+            <p:spPr>
+              <a:xfrm>
+                <a:off x="6309631" y="4563363"/>
+                <a:ext cx="72000" cy="72000"/>
+              </a:xfrm>
+              <a:prstGeom prst="rect">
+                <a:avLst/>
+              </a:prstGeom>
+            </p:spPr>
+          </p:pic>
+        </mc:Fallback>
+      </mc:AlternateContent>
+      <mc:AlternateContent xmlns:mc="http://schemas.openxmlformats.org/markup-compatibility/2006" xmlns:p14="http://schemas.microsoft.com/office/powerpoint/2010/main">
+        <mc:Choice Requires="p14">
+          <p:contentPart p14:bwMode="auto" r:id="rId14">
+            <p14:nvContentPartPr>
+              <p14:cNvPr id="19" name="Ink 18">
+                <a:extLst>
+                  <a:ext uri="{FF2B5EF4-FFF2-40B4-BE49-F238E27FC236}">
+                    <a16:creationId xmlns:a16="http://schemas.microsoft.com/office/drawing/2014/main" id="{B5D816F5-00C5-41AB-B6C2-DA4A94DC0374}"/>
+                  </a:ext>
+                </a:extLst>
+              </p14:cNvPr>
+              <p14:cNvContentPartPr/>
+              <p14:nvPr/>
+            </p14:nvContentPartPr>
+            <p14:xfrm>
+              <a:off x="6242311" y="5142603"/>
+              <a:ext cx="360" cy="360"/>
+            </p14:xfrm>
+          </p:contentPart>
+        </mc:Choice>
+        <mc:Fallback xmlns="">
+          <p:pic>
+            <p:nvPicPr>
+              <p:cNvPr id="19" name="Ink 18">
+                <a:extLst>
+                  <a:ext uri="{FF2B5EF4-FFF2-40B4-BE49-F238E27FC236}">
+                    <a16:creationId xmlns:a16="http://schemas.microsoft.com/office/drawing/2014/main" id="{B5D816F5-00C5-41AB-B6C2-DA4A94DC0374}"/>
+                  </a:ext>
+                </a:extLst>
+              </p:cNvPr>
+              <p:cNvPicPr/>
+              <p:nvPr/>
+            </p:nvPicPr>
+            <p:blipFill>
+              <a:blip r:embed="rId11"/>
+              <a:stretch>
+                <a:fillRect/>
+              </a:stretch>
+            </p:blipFill>
+            <p:spPr>
+              <a:xfrm>
+                <a:off x="6206671" y="5106963"/>
+                <a:ext cx="72000" cy="72000"/>
+              </a:xfrm>
+              <a:prstGeom prst="rect">
+                <a:avLst/>
+              </a:prstGeom>
+            </p:spPr>
+          </p:pic>
+        </mc:Fallback>
+      </mc:AlternateContent>
+      <mc:AlternateContent xmlns:mc="http://schemas.openxmlformats.org/markup-compatibility/2006" xmlns:p14="http://schemas.microsoft.com/office/powerpoint/2010/main">
+        <mc:Choice Requires="p14">
+          <p:contentPart p14:bwMode="auto" r:id="rId15">
+            <p14:nvContentPartPr>
+              <p14:cNvPr id="20" name="Ink 19">
+                <a:extLst>
+                  <a:ext uri="{FF2B5EF4-FFF2-40B4-BE49-F238E27FC236}">
+                    <a16:creationId xmlns:a16="http://schemas.microsoft.com/office/drawing/2014/main" id="{0547076F-8F87-43EF-AAC2-A146ADEE0006}"/>
+                  </a:ext>
+                </a:extLst>
+              </p14:cNvPr>
+              <p14:cNvContentPartPr/>
+              <p14:nvPr/>
+            </p14:nvContentPartPr>
+            <p14:xfrm>
+              <a:off x="6414391" y="3932283"/>
+              <a:ext cx="360" cy="360"/>
+            </p14:xfrm>
+          </p:contentPart>
+        </mc:Choice>
+        <mc:Fallback xmlns="">
+          <p:pic>
+            <p:nvPicPr>
+              <p:cNvPr id="20" name="Ink 19">
+                <a:extLst>
+                  <a:ext uri="{FF2B5EF4-FFF2-40B4-BE49-F238E27FC236}">
+                    <a16:creationId xmlns:a16="http://schemas.microsoft.com/office/drawing/2014/main" id="{0547076F-8F87-43EF-AAC2-A146ADEE0006}"/>
+                  </a:ext>
+                </a:extLst>
+              </p:cNvPr>
+              <p:cNvPicPr/>
+              <p:nvPr/>
+            </p:nvPicPr>
+            <p:blipFill>
+              <a:blip r:embed="rId16"/>
+              <a:stretch>
+                <a:fillRect/>
+              </a:stretch>
+            </p:blipFill>
+            <p:spPr>
+              <a:xfrm>
+                <a:off x="6378391" y="3896643"/>
+                <a:ext cx="72000" cy="72000"/>
+              </a:xfrm>
+              <a:prstGeom prst="rect">
+                <a:avLst/>
+              </a:prstGeom>
+            </p:spPr>
+          </p:pic>
+        </mc:Fallback>
+      </mc:AlternateContent>
+      <mc:AlternateContent xmlns:mc="http://schemas.openxmlformats.org/markup-compatibility/2006" xmlns:p14="http://schemas.microsoft.com/office/powerpoint/2010/main">
+        <mc:Choice Requires="p14">
+          <p:contentPart p14:bwMode="auto" r:id="rId17">
+            <p14:nvContentPartPr>
+              <p14:cNvPr id="21" name="Ink 20">
+                <a:extLst>
+                  <a:ext uri="{FF2B5EF4-FFF2-40B4-BE49-F238E27FC236}">
+                    <a16:creationId xmlns:a16="http://schemas.microsoft.com/office/drawing/2014/main" id="{9BDEE75A-674C-4C16-BC9F-E6C589B07A51}"/>
+                  </a:ext>
+                </a:extLst>
+              </p14:cNvPr>
+              <p14:cNvContentPartPr/>
+              <p14:nvPr/>
+            </p14:nvContentPartPr>
+            <p14:xfrm>
+              <a:off x="6366151" y="4090683"/>
+              <a:ext cx="360" cy="360"/>
+            </p14:xfrm>
+          </p:contentPart>
+        </mc:Choice>
+        <mc:Fallback xmlns="">
+          <p:pic>
+            <p:nvPicPr>
+              <p:cNvPr id="21" name="Ink 20">
+                <a:extLst>
+                  <a:ext uri="{FF2B5EF4-FFF2-40B4-BE49-F238E27FC236}">
+                    <a16:creationId xmlns:a16="http://schemas.microsoft.com/office/drawing/2014/main" id="{9BDEE75A-674C-4C16-BC9F-E6C589B07A51}"/>
+                  </a:ext>
+                </a:extLst>
+              </p:cNvPr>
+              <p:cNvPicPr/>
+              <p:nvPr/>
+            </p:nvPicPr>
+            <p:blipFill>
+              <a:blip r:embed="rId16"/>
+              <a:stretch>
+                <a:fillRect/>
+              </a:stretch>
+            </p:blipFill>
+            <p:spPr>
+              <a:xfrm>
+                <a:off x="6330151" y="4054683"/>
+                <a:ext cx="72000" cy="72000"/>
+              </a:xfrm>
+              <a:prstGeom prst="rect">
+                <a:avLst/>
+              </a:prstGeom>
+            </p:spPr>
+          </p:pic>
+        </mc:Fallback>
+      </mc:AlternateContent>
+      <mc:AlternateContent xmlns:mc="http://schemas.openxmlformats.org/markup-compatibility/2006" xmlns:p14="http://schemas.microsoft.com/office/powerpoint/2010/main">
+        <mc:Choice Requires="p14">
+          <p:contentPart p14:bwMode="auto" r:id="rId18">
+            <p14:nvContentPartPr>
+              <p14:cNvPr id="22" name="Ink 21">
+                <a:extLst>
+                  <a:ext uri="{FF2B5EF4-FFF2-40B4-BE49-F238E27FC236}">
+                    <a16:creationId xmlns:a16="http://schemas.microsoft.com/office/drawing/2014/main" id="{13AEF398-0630-41B3-BBE4-FFE47CB80407}"/>
+                  </a:ext>
+                </a:extLst>
+              </p14:cNvPr>
+              <p14:cNvContentPartPr/>
+              <p14:nvPr/>
+            </p14:nvContentPartPr>
+            <p14:xfrm>
+              <a:off x="6166711" y="4269243"/>
+              <a:ext cx="360" cy="360"/>
+            </p14:xfrm>
+          </p:contentPart>
+        </mc:Choice>
+        <mc:Fallback xmlns="">
+          <p:pic>
+            <p:nvPicPr>
+              <p:cNvPr id="22" name="Ink 21">
+                <a:extLst>
+                  <a:ext uri="{FF2B5EF4-FFF2-40B4-BE49-F238E27FC236}">
+                    <a16:creationId xmlns:a16="http://schemas.microsoft.com/office/drawing/2014/main" id="{13AEF398-0630-41B3-BBE4-FFE47CB80407}"/>
+                  </a:ext>
+                </a:extLst>
+              </p:cNvPr>
+              <p:cNvPicPr/>
+              <p:nvPr/>
+            </p:nvPicPr>
+            <p:blipFill>
+              <a:blip r:embed="rId16"/>
+              <a:stretch>
+                <a:fillRect/>
+              </a:stretch>
+            </p:blipFill>
+            <p:spPr>
+              <a:xfrm>
+                <a:off x="6131071" y="4233243"/>
+                <a:ext cx="72000" cy="72000"/>
+              </a:xfrm>
+              <a:prstGeom prst="rect">
+                <a:avLst/>
+              </a:prstGeom>
+            </p:spPr>
+          </p:pic>
+        </mc:Fallback>
+      </mc:AlternateContent>
+      <mc:AlternateContent xmlns:mc="http://schemas.openxmlformats.org/markup-compatibility/2006" xmlns:p14="http://schemas.microsoft.com/office/powerpoint/2010/main">
+        <mc:Choice Requires="p14">
+          <p:contentPart p14:bwMode="auto" r:id="rId19">
+            <p14:nvContentPartPr>
+              <p14:cNvPr id="23" name="Ink 22">
+                <a:extLst>
+                  <a:ext uri="{FF2B5EF4-FFF2-40B4-BE49-F238E27FC236}">
+                    <a16:creationId xmlns:a16="http://schemas.microsoft.com/office/drawing/2014/main" id="{4B70F163-0C53-4DE7-907C-D644925F066F}"/>
+                  </a:ext>
+                </a:extLst>
+              </p14:cNvPr>
+              <p14:cNvContentPartPr/>
+              <p14:nvPr/>
+            </p14:nvContentPartPr>
+            <p14:xfrm>
+              <a:off x="6510511" y="4956843"/>
+              <a:ext cx="360" cy="360"/>
+            </p14:xfrm>
+          </p:contentPart>
+        </mc:Choice>
+        <mc:Fallback xmlns="">
+          <p:pic>
+            <p:nvPicPr>
+              <p:cNvPr id="23" name="Ink 22">
+                <a:extLst>
+                  <a:ext uri="{FF2B5EF4-FFF2-40B4-BE49-F238E27FC236}">
+                    <a16:creationId xmlns:a16="http://schemas.microsoft.com/office/drawing/2014/main" id="{4B70F163-0C53-4DE7-907C-D644925F066F}"/>
+                  </a:ext>
+                </a:extLst>
+              </p:cNvPr>
+              <p:cNvPicPr/>
+              <p:nvPr/>
+            </p:nvPicPr>
+            <p:blipFill>
+              <a:blip r:embed="rId16"/>
+              <a:stretch>
+                <a:fillRect/>
+              </a:stretch>
+            </p:blipFill>
+            <p:spPr>
+              <a:xfrm>
+                <a:off x="6474871" y="4920843"/>
+                <a:ext cx="72000" cy="72000"/>
+              </a:xfrm>
+              <a:prstGeom prst="rect">
+                <a:avLst/>
+              </a:prstGeom>
+            </p:spPr>
+          </p:pic>
+        </mc:Fallback>
+      </mc:AlternateContent>
+      <mc:AlternateContent xmlns:mc="http://schemas.openxmlformats.org/markup-compatibility/2006" xmlns:p14="http://schemas.microsoft.com/office/powerpoint/2010/main">
+        <mc:Choice Requires="p14">
+          <p:contentPart p14:bwMode="auto" r:id="rId20">
+            <p14:nvContentPartPr>
+              <p14:cNvPr id="24" name="Ink 23">
+                <a:extLst>
+                  <a:ext uri="{FF2B5EF4-FFF2-40B4-BE49-F238E27FC236}">
+                    <a16:creationId xmlns:a16="http://schemas.microsoft.com/office/drawing/2014/main" id="{DA1FB725-DE9C-48B8-8718-EF9FAFD5AE7F}"/>
+                  </a:ext>
+                </a:extLst>
+              </p14:cNvPr>
+              <p14:cNvContentPartPr/>
+              <p14:nvPr/>
+            </p14:nvContentPartPr>
+            <p14:xfrm>
+              <a:off x="6661711" y="5479563"/>
+              <a:ext cx="360" cy="360"/>
+            </p14:xfrm>
+          </p:contentPart>
+        </mc:Choice>
+        <mc:Fallback xmlns="">
+          <p:pic>
+            <p:nvPicPr>
+              <p:cNvPr id="24" name="Ink 23">
+                <a:extLst>
+                  <a:ext uri="{FF2B5EF4-FFF2-40B4-BE49-F238E27FC236}">
+                    <a16:creationId xmlns:a16="http://schemas.microsoft.com/office/drawing/2014/main" id="{DA1FB725-DE9C-48B8-8718-EF9FAFD5AE7F}"/>
+                  </a:ext>
+                </a:extLst>
+              </p:cNvPr>
+              <p:cNvPicPr/>
+              <p:nvPr/>
+            </p:nvPicPr>
+            <p:blipFill>
+              <a:blip r:embed="rId16"/>
+              <a:stretch>
+                <a:fillRect/>
+              </a:stretch>
+            </p:blipFill>
+            <p:spPr>
+              <a:xfrm>
+                <a:off x="6626071" y="5443563"/>
+                <a:ext cx="72000" cy="72000"/>
+              </a:xfrm>
+              <a:prstGeom prst="rect">
+                <a:avLst/>
+              </a:prstGeom>
+            </p:spPr>
+          </p:pic>
+        </mc:Fallback>
+      </mc:AlternateContent>
+      <mc:AlternateContent xmlns:mc="http://schemas.openxmlformats.org/markup-compatibility/2006" xmlns:p14="http://schemas.microsoft.com/office/powerpoint/2010/main">
+        <mc:Choice Requires="p14">
+          <p:contentPart p14:bwMode="auto" r:id="rId21">
+            <p14:nvContentPartPr>
+              <p14:cNvPr id="25" name="Ink 24">
+                <a:extLst>
+                  <a:ext uri="{FF2B5EF4-FFF2-40B4-BE49-F238E27FC236}">
+                    <a16:creationId xmlns:a16="http://schemas.microsoft.com/office/drawing/2014/main" id="{8D616B99-8E97-46A8-AB56-3E09B01A38FA}"/>
+                  </a:ext>
+                </a:extLst>
+              </p14:cNvPr>
+              <p14:cNvContentPartPr/>
+              <p14:nvPr/>
+            </p14:nvContentPartPr>
+            <p14:xfrm>
+              <a:off x="6661711" y="5644443"/>
+              <a:ext cx="360" cy="360"/>
+            </p14:xfrm>
+          </p:contentPart>
+        </mc:Choice>
+        <mc:Fallback xmlns="">
+          <p:pic>
+            <p:nvPicPr>
+              <p:cNvPr id="25" name="Ink 24">
+                <a:extLst>
+                  <a:ext uri="{FF2B5EF4-FFF2-40B4-BE49-F238E27FC236}">
+                    <a16:creationId xmlns:a16="http://schemas.microsoft.com/office/drawing/2014/main" id="{8D616B99-8E97-46A8-AB56-3E09B01A38FA}"/>
+                  </a:ext>
+                </a:extLst>
+              </p:cNvPr>
+              <p:cNvPicPr/>
+              <p:nvPr/>
+            </p:nvPicPr>
+            <p:blipFill>
+              <a:blip r:embed="rId16"/>
+              <a:stretch>
+                <a:fillRect/>
+              </a:stretch>
+            </p:blipFill>
+            <p:spPr>
+              <a:xfrm>
+                <a:off x="6626071" y="5608443"/>
+                <a:ext cx="72000" cy="72000"/>
+              </a:xfrm>
+              <a:prstGeom prst="rect">
+                <a:avLst/>
+              </a:prstGeom>
+            </p:spPr>
+          </p:pic>
+        </mc:Fallback>
+      </mc:AlternateContent>
+      <mc:AlternateContent xmlns:mc="http://schemas.openxmlformats.org/markup-compatibility/2006" xmlns:p14="http://schemas.microsoft.com/office/powerpoint/2010/main">
+        <mc:Choice Requires="p14">
+          <p:contentPart p14:bwMode="auto" r:id="rId22">
+            <p14:nvContentPartPr>
+              <p14:cNvPr id="26" name="Ink 25">
+                <a:extLst>
+                  <a:ext uri="{FF2B5EF4-FFF2-40B4-BE49-F238E27FC236}">
+                    <a16:creationId xmlns:a16="http://schemas.microsoft.com/office/drawing/2014/main" id="{0DF2D0F6-0F2E-4599-8C6A-426687431AA3}"/>
+                  </a:ext>
+                </a:extLst>
+              </p14:cNvPr>
+              <p14:cNvContentPartPr/>
+              <p14:nvPr/>
+            </p14:nvContentPartPr>
+            <p14:xfrm>
+              <a:off x="6331591" y="3574803"/>
+              <a:ext cx="360" cy="360"/>
+            </p14:xfrm>
+          </p:contentPart>
+        </mc:Choice>
+        <mc:Fallback xmlns="">
+          <p:pic>
+            <p:nvPicPr>
+              <p:cNvPr id="26" name="Ink 25">
+                <a:extLst>
+                  <a:ext uri="{FF2B5EF4-FFF2-40B4-BE49-F238E27FC236}">
+                    <a16:creationId xmlns:a16="http://schemas.microsoft.com/office/drawing/2014/main" id="{0DF2D0F6-0F2E-4599-8C6A-426687431AA3}"/>
+                  </a:ext>
+                </a:extLst>
+              </p:cNvPr>
+              <p:cNvPicPr/>
+              <p:nvPr/>
+            </p:nvPicPr>
+            <p:blipFill>
+              <a:blip r:embed="rId16"/>
+              <a:stretch>
+                <a:fillRect/>
+              </a:stretch>
+            </p:blipFill>
+            <p:spPr>
+              <a:xfrm>
+                <a:off x="6295951" y="3539163"/>
+                <a:ext cx="72000" cy="72000"/>
+              </a:xfrm>
+              <a:prstGeom prst="rect">
+                <a:avLst/>
+              </a:prstGeom>
+            </p:spPr>
+          </p:pic>
+        </mc:Fallback>
+      </mc:AlternateContent>
+      <mc:AlternateContent xmlns:mc="http://schemas.openxmlformats.org/markup-compatibility/2006" xmlns:p14="http://schemas.microsoft.com/office/powerpoint/2010/main">
+        <mc:Choice Requires="p14">
+          <p:contentPart p14:bwMode="auto" r:id="rId23">
+            <p14:nvContentPartPr>
+              <p14:cNvPr id="27" name="Ink 26">
+                <a:extLst>
+                  <a:ext uri="{FF2B5EF4-FFF2-40B4-BE49-F238E27FC236}">
+                    <a16:creationId xmlns:a16="http://schemas.microsoft.com/office/drawing/2014/main" id="{0DFE7FBF-3278-447D-8D6F-1BBA6ED1769B}"/>
+                  </a:ext>
+                </a:extLst>
+              </p14:cNvPr>
+              <p14:cNvContentPartPr/>
+              <p14:nvPr/>
+            </p14:nvContentPartPr>
+            <p14:xfrm>
+              <a:off x="6249511" y="4784763"/>
+              <a:ext cx="360" cy="360"/>
+            </p14:xfrm>
+          </p:contentPart>
+        </mc:Choice>
+        <mc:Fallback xmlns="">
+          <p:pic>
+            <p:nvPicPr>
+              <p:cNvPr id="27" name="Ink 26">
+                <a:extLst>
+                  <a:ext uri="{FF2B5EF4-FFF2-40B4-BE49-F238E27FC236}">
+                    <a16:creationId xmlns:a16="http://schemas.microsoft.com/office/drawing/2014/main" id="{0DFE7FBF-3278-447D-8D6F-1BBA6ED1769B}"/>
+                  </a:ext>
+                </a:extLst>
+              </p:cNvPr>
+              <p:cNvPicPr/>
+              <p:nvPr/>
+            </p:nvPicPr>
+            <p:blipFill>
+              <a:blip r:embed="rId16"/>
+              <a:stretch>
+                <a:fillRect/>
+              </a:stretch>
+            </p:blipFill>
+            <p:spPr>
+              <a:xfrm>
+                <a:off x="6213511" y="4749123"/>
+                <a:ext cx="72000" cy="72000"/>
+              </a:xfrm>
+              <a:prstGeom prst="rect">
+                <a:avLst/>
+              </a:prstGeom>
+            </p:spPr>
+          </p:pic>
+        </mc:Fallback>
+      </mc:AlternateContent>
+      <mc:AlternateContent xmlns:mc="http://schemas.openxmlformats.org/markup-compatibility/2006" xmlns:p14="http://schemas.microsoft.com/office/powerpoint/2010/main">
+        <mc:Choice Requires="p14">
+          <p:contentPart p14:bwMode="auto" r:id="rId24">
+            <p14:nvContentPartPr>
+              <p14:cNvPr id="28" name="Ink 27">
+                <a:extLst>
+                  <a:ext uri="{FF2B5EF4-FFF2-40B4-BE49-F238E27FC236}">
+                    <a16:creationId xmlns:a16="http://schemas.microsoft.com/office/drawing/2014/main" id="{1DF2342B-AD71-4988-9274-CE518A725D9E}"/>
+                  </a:ext>
+                </a:extLst>
+              </p14:cNvPr>
+              <p14:cNvContentPartPr/>
+              <p14:nvPr/>
+            </p14:nvContentPartPr>
+            <p14:xfrm>
+              <a:off x="6641191" y="4448163"/>
+              <a:ext cx="360" cy="360"/>
+            </p14:xfrm>
+          </p:contentPart>
+        </mc:Choice>
+        <mc:Fallback xmlns="">
+          <p:pic>
+            <p:nvPicPr>
+              <p:cNvPr id="28" name="Ink 27">
+                <a:extLst>
+                  <a:ext uri="{FF2B5EF4-FFF2-40B4-BE49-F238E27FC236}">
+                    <a16:creationId xmlns:a16="http://schemas.microsoft.com/office/drawing/2014/main" id="{1DF2342B-AD71-4988-9274-CE518A725D9E}"/>
+                  </a:ext>
+                </a:extLst>
+              </p:cNvPr>
+              <p:cNvPicPr/>
+              <p:nvPr/>
+            </p:nvPicPr>
+            <p:blipFill>
+              <a:blip r:embed="rId25"/>
+              <a:stretch>
+                <a:fillRect/>
+              </a:stretch>
+            </p:blipFill>
+            <p:spPr>
+              <a:xfrm>
+                <a:off x="6605191" y="4412163"/>
+                <a:ext cx="72000" cy="72000"/>
+              </a:xfrm>
+              <a:prstGeom prst="rect">
+                <a:avLst/>
+              </a:prstGeom>
+            </p:spPr>
+          </p:pic>
+        </mc:Fallback>
+      </mc:AlternateContent>
+      <mc:AlternateContent xmlns:mc="http://schemas.openxmlformats.org/markup-compatibility/2006" xmlns:p14="http://schemas.microsoft.com/office/powerpoint/2010/main">
+        <mc:Choice Requires="p14">
+          <p:contentPart p14:bwMode="auto" r:id="rId26">
+            <p14:nvContentPartPr>
+              <p14:cNvPr id="29" name="Ink 28">
+                <a:extLst>
+                  <a:ext uri="{FF2B5EF4-FFF2-40B4-BE49-F238E27FC236}">
+                    <a16:creationId xmlns:a16="http://schemas.microsoft.com/office/drawing/2014/main" id="{6D0A7827-8FD4-434A-99C0-B227B63A7032}"/>
+                  </a:ext>
+                </a:extLst>
+              </p14:cNvPr>
+              <p14:cNvContentPartPr/>
+              <p14:nvPr/>
+            </p14:nvContentPartPr>
+            <p14:xfrm>
+              <a:off x="6276871" y="3932283"/>
+              <a:ext cx="360" cy="360"/>
+            </p14:xfrm>
+          </p:contentPart>
+        </mc:Choice>
+        <mc:Fallback xmlns="">
+          <p:pic>
+            <p:nvPicPr>
+              <p:cNvPr id="29" name="Ink 28">
+                <a:extLst>
+                  <a:ext uri="{FF2B5EF4-FFF2-40B4-BE49-F238E27FC236}">
+                    <a16:creationId xmlns:a16="http://schemas.microsoft.com/office/drawing/2014/main" id="{6D0A7827-8FD4-434A-99C0-B227B63A7032}"/>
+                  </a:ext>
+                </a:extLst>
+              </p:cNvPr>
+              <p:cNvPicPr/>
+              <p:nvPr/>
+            </p:nvPicPr>
+            <p:blipFill>
+              <a:blip r:embed="rId25"/>
+              <a:stretch>
+                <a:fillRect/>
+              </a:stretch>
+            </p:blipFill>
+            <p:spPr>
+              <a:xfrm>
+                <a:off x="6240871" y="3896643"/>
+                <a:ext cx="72000" cy="72000"/>
+              </a:xfrm>
+              <a:prstGeom prst="rect">
+                <a:avLst/>
+              </a:prstGeom>
+            </p:spPr>
+          </p:pic>
+        </mc:Fallback>
+      </mc:AlternateContent>
+      <mc:AlternateContent xmlns:mc="http://schemas.openxmlformats.org/markup-compatibility/2006" xmlns:p14="http://schemas.microsoft.com/office/powerpoint/2010/main">
+        <mc:Choice Requires="p14">
+          <p:contentPart p14:bwMode="auto" r:id="rId27">
+            <p14:nvContentPartPr>
+              <p14:cNvPr id="31" name="Ink 30">
+                <a:extLst>
+                  <a:ext uri="{FF2B5EF4-FFF2-40B4-BE49-F238E27FC236}">
+                    <a16:creationId xmlns:a16="http://schemas.microsoft.com/office/drawing/2014/main" id="{434E703D-F9F9-4E1B-A82B-559AB8E6EA55}"/>
+                  </a:ext>
+                </a:extLst>
+              </p14:cNvPr>
+              <p14:cNvContentPartPr/>
+              <p14:nvPr/>
+            </p14:nvContentPartPr>
+            <p14:xfrm>
+              <a:off x="6042871" y="4269243"/>
+              <a:ext cx="360" cy="360"/>
+            </p14:xfrm>
+          </p:contentPart>
+        </mc:Choice>
+        <mc:Fallback xmlns="">
+          <p:pic>
+            <p:nvPicPr>
+              <p:cNvPr id="31" name="Ink 30">
+                <a:extLst>
+                  <a:ext uri="{FF2B5EF4-FFF2-40B4-BE49-F238E27FC236}">
+                    <a16:creationId xmlns:a16="http://schemas.microsoft.com/office/drawing/2014/main" id="{434E703D-F9F9-4E1B-A82B-559AB8E6EA55}"/>
+                  </a:ext>
+                </a:extLst>
+              </p:cNvPr>
+              <p:cNvPicPr/>
+              <p:nvPr/>
+            </p:nvPicPr>
+            <p:blipFill>
+              <a:blip r:embed="rId25"/>
+              <a:stretch>
+                <a:fillRect/>
+              </a:stretch>
+            </p:blipFill>
+            <p:spPr>
+              <a:xfrm>
+                <a:off x="6006871" y="4233243"/>
+                <a:ext cx="72000" cy="72000"/>
+              </a:xfrm>
+              <a:prstGeom prst="rect">
+                <a:avLst/>
+              </a:prstGeom>
+            </p:spPr>
+          </p:pic>
+        </mc:Fallback>
+      </mc:AlternateContent>
+      <mc:AlternateContent xmlns:mc="http://schemas.openxmlformats.org/markup-compatibility/2006" xmlns:p14="http://schemas.microsoft.com/office/powerpoint/2010/main">
+        <mc:Choice Requires="p14">
+          <p:contentPart p14:bwMode="auto" r:id="rId28">
+            <p14:nvContentPartPr>
+              <p14:cNvPr id="32" name="Ink 31">
+                <a:extLst>
+                  <a:ext uri="{FF2B5EF4-FFF2-40B4-BE49-F238E27FC236}">
+                    <a16:creationId xmlns:a16="http://schemas.microsoft.com/office/drawing/2014/main" id="{37C2D46F-0CD5-48B4-A38A-D0CA12D4B6D0}"/>
+                  </a:ext>
+                </a:extLst>
+              </p14:cNvPr>
+              <p14:cNvContentPartPr/>
+              <p14:nvPr/>
+            </p14:nvContentPartPr>
+            <p14:xfrm>
+              <a:off x="6228631" y="3726003"/>
+              <a:ext cx="360" cy="360"/>
+            </p14:xfrm>
+          </p:contentPart>
+        </mc:Choice>
+        <mc:Fallback xmlns="">
+          <p:pic>
+            <p:nvPicPr>
+              <p:cNvPr id="32" name="Ink 31">
+                <a:extLst>
+                  <a:ext uri="{FF2B5EF4-FFF2-40B4-BE49-F238E27FC236}">
+                    <a16:creationId xmlns:a16="http://schemas.microsoft.com/office/drawing/2014/main" id="{37C2D46F-0CD5-48B4-A38A-D0CA12D4B6D0}"/>
+                  </a:ext>
+                </a:extLst>
+              </p:cNvPr>
+              <p:cNvPicPr/>
+              <p:nvPr/>
+            </p:nvPicPr>
+            <p:blipFill>
+              <a:blip r:embed="rId25"/>
+              <a:stretch>
+                <a:fillRect/>
+              </a:stretch>
+            </p:blipFill>
+            <p:spPr>
+              <a:xfrm>
+                <a:off x="6192991" y="3690363"/>
+                <a:ext cx="72000" cy="72000"/>
+              </a:xfrm>
+              <a:prstGeom prst="rect">
+                <a:avLst/>
+              </a:prstGeom>
+            </p:spPr>
+          </p:pic>
+        </mc:Fallback>
+      </mc:AlternateContent>
+      <mc:AlternateContent xmlns:mc="http://schemas.openxmlformats.org/markup-compatibility/2006" xmlns:p14="http://schemas.microsoft.com/office/powerpoint/2010/main">
+        <mc:Choice Requires="p14">
+          <p:contentPart p14:bwMode="auto" r:id="rId29">
+            <p14:nvContentPartPr>
+              <p14:cNvPr id="33" name="Ink 32">
+                <a:extLst>
+                  <a:ext uri="{FF2B5EF4-FFF2-40B4-BE49-F238E27FC236}">
+                    <a16:creationId xmlns:a16="http://schemas.microsoft.com/office/drawing/2014/main" id="{9523F0DC-0F81-4813-A0D8-426598AB9121}"/>
+                  </a:ext>
+                </a:extLst>
+              </p14:cNvPr>
+              <p14:cNvContentPartPr/>
+              <p14:nvPr/>
+            </p14:nvContentPartPr>
+            <p14:xfrm>
+              <a:off x="6214591" y="3561123"/>
+              <a:ext cx="360" cy="360"/>
+            </p14:xfrm>
+          </p:contentPart>
+        </mc:Choice>
+        <mc:Fallback xmlns="">
+          <p:pic>
+            <p:nvPicPr>
+              <p:cNvPr id="33" name="Ink 32">
+                <a:extLst>
+                  <a:ext uri="{FF2B5EF4-FFF2-40B4-BE49-F238E27FC236}">
+                    <a16:creationId xmlns:a16="http://schemas.microsoft.com/office/drawing/2014/main" id="{9523F0DC-0F81-4813-A0D8-426598AB9121}"/>
+                  </a:ext>
+                </a:extLst>
+              </p:cNvPr>
+              <p:cNvPicPr/>
+              <p:nvPr/>
+            </p:nvPicPr>
+            <p:blipFill>
+              <a:blip r:embed="rId25"/>
+              <a:stretch>
+                <a:fillRect/>
+              </a:stretch>
+            </p:blipFill>
+            <p:spPr>
+              <a:xfrm>
+                <a:off x="6178951" y="3525483"/>
+                <a:ext cx="72000" cy="72000"/>
+              </a:xfrm>
+              <a:prstGeom prst="rect">
+                <a:avLst/>
+              </a:prstGeom>
+            </p:spPr>
+          </p:pic>
+        </mc:Fallback>
+      </mc:AlternateContent>
+      <mc:AlternateContent xmlns:mc="http://schemas.openxmlformats.org/markup-compatibility/2006" xmlns:p14="http://schemas.microsoft.com/office/powerpoint/2010/main">
+        <mc:Choice Requires="p14">
+          <p:contentPart p14:bwMode="auto" r:id="rId30">
+            <p14:nvContentPartPr>
+              <p14:cNvPr id="34" name="Ink 33">
+                <a:extLst>
+                  <a:ext uri="{FF2B5EF4-FFF2-40B4-BE49-F238E27FC236}">
+                    <a16:creationId xmlns:a16="http://schemas.microsoft.com/office/drawing/2014/main" id="{5AF9DA44-271B-4380-82A2-5CC848CE1824}"/>
+                  </a:ext>
+                </a:extLst>
+              </p14:cNvPr>
+              <p14:cNvContentPartPr/>
+              <p14:nvPr/>
+            </p14:nvContentPartPr>
+            <p14:xfrm>
+              <a:off x="6826591" y="3224163"/>
+              <a:ext cx="360" cy="360"/>
+            </p14:xfrm>
+          </p:contentPart>
+        </mc:Choice>
+        <mc:Fallback xmlns="">
+          <p:pic>
+            <p:nvPicPr>
+              <p:cNvPr id="34" name="Ink 33">
+                <a:extLst>
+                  <a:ext uri="{FF2B5EF4-FFF2-40B4-BE49-F238E27FC236}">
+                    <a16:creationId xmlns:a16="http://schemas.microsoft.com/office/drawing/2014/main" id="{5AF9DA44-271B-4380-82A2-5CC848CE1824}"/>
+                  </a:ext>
+                </a:extLst>
+              </p:cNvPr>
+              <p:cNvPicPr/>
+              <p:nvPr/>
+            </p:nvPicPr>
+            <p:blipFill>
+              <a:blip r:embed="rId31"/>
+              <a:stretch>
+                <a:fillRect/>
+              </a:stretch>
+            </p:blipFill>
+            <p:spPr>
+              <a:xfrm>
+                <a:off x="6790951" y="3188163"/>
+                <a:ext cx="72000" cy="72000"/>
+              </a:xfrm>
+              <a:prstGeom prst="rect">
+                <a:avLst/>
+              </a:prstGeom>
+            </p:spPr>
+          </p:pic>
+        </mc:Fallback>
+      </mc:AlternateContent>
+      <mc:AlternateContent xmlns:mc="http://schemas.openxmlformats.org/markup-compatibility/2006" xmlns:p14="http://schemas.microsoft.com/office/powerpoint/2010/main">
+        <mc:Choice Requires="p14">
+          <p:contentPart p14:bwMode="auto" r:id="rId32">
+            <p14:nvContentPartPr>
+              <p14:cNvPr id="35" name="Ink 34">
+                <a:extLst>
+                  <a:ext uri="{FF2B5EF4-FFF2-40B4-BE49-F238E27FC236}">
+                    <a16:creationId xmlns:a16="http://schemas.microsoft.com/office/drawing/2014/main" id="{B1201593-4D58-4577-B897-232F357E87DE}"/>
+                  </a:ext>
+                </a:extLst>
+              </p14:cNvPr>
+              <p14:cNvContentPartPr/>
+              <p14:nvPr/>
+            </p14:nvContentPartPr>
+            <p14:xfrm>
+              <a:off x="6221791" y="2522883"/>
+              <a:ext cx="360" cy="360"/>
+            </p14:xfrm>
+          </p:contentPart>
+        </mc:Choice>
+        <mc:Fallback xmlns="">
+          <p:pic>
+            <p:nvPicPr>
+              <p:cNvPr id="35" name="Ink 34">
+                <a:extLst>
+                  <a:ext uri="{FF2B5EF4-FFF2-40B4-BE49-F238E27FC236}">
+                    <a16:creationId xmlns:a16="http://schemas.microsoft.com/office/drawing/2014/main" id="{B1201593-4D58-4577-B897-232F357E87DE}"/>
+                  </a:ext>
+                </a:extLst>
+              </p:cNvPr>
+              <p:cNvPicPr/>
+              <p:nvPr/>
+            </p:nvPicPr>
+            <p:blipFill>
+              <a:blip r:embed="rId31"/>
+              <a:stretch>
+                <a:fillRect/>
+              </a:stretch>
+            </p:blipFill>
+            <p:spPr>
+              <a:xfrm>
+                <a:off x="6185791" y="2487243"/>
+                <a:ext cx="72000" cy="72000"/>
+              </a:xfrm>
+              <a:prstGeom prst="rect">
+                <a:avLst/>
+              </a:prstGeom>
+            </p:spPr>
+          </p:pic>
+        </mc:Fallback>
+      </mc:AlternateContent>
     </p:spTree>
     <p:extLst>
       <p:ext uri="{BB962C8B-B14F-4D97-AF65-F5344CB8AC3E}">
@@ -6644,46 +8682,37 @@
           <a:p>
             <a:r>
               <a:rPr lang="en-US" dirty="0"/>
-              <a:t>Given my results, I recommend using the model I have created to show probabilities primarily</a:t>
-            </a:r>
-          </a:p>
-          <a:p>
-            <a:pPr lvl="1"/>
+              <a:t>Given my results, I recommend using the model to show probabilities primarily</a:t>
+            </a:r>
+          </a:p>
+          <a:p>
             <a:r>
               <a:rPr lang="en-US" dirty="0"/>
-              <a:t>Currently, it is too unreliable to make strong predictions</a:t>
+              <a:t>Show before a fight along with basic info for fighters</a:t>
+            </a:r>
+          </a:p>
+          <a:p>
+            <a:r>
+              <a:rPr lang="en-US" dirty="0"/>
+              <a:t>Never ignore the ground game or the clinch, maintaining control of spacing is crucial</a:t>
+            </a:r>
+          </a:p>
+          <a:p>
+            <a:pPr lvl="2"/>
+            <a:r>
+              <a:rPr lang="en-US" dirty="0"/>
+              <a:t>No evidence of a “one trick pony”</a:t>
+            </a:r>
+          </a:p>
+          <a:p>
+            <a:r>
+              <a:rPr lang="en-US" dirty="0"/>
+              <a:t>Regulating weight classes is important to keeping fights competitive</a:t>
             </a:r>
             <a:br>
               <a:rPr lang="en-US" dirty="0"/>
             </a:br>
             <a:endParaRPr lang="en-US" dirty="0"/>
-          </a:p>
-          <a:p>
-            <a:r>
-              <a:rPr lang="en-US" dirty="0"/>
-              <a:t>Can provide knowledge to:</a:t>
-            </a:r>
-          </a:p>
-          <a:p>
-            <a:pPr lvl="1"/>
-            <a:r>
-              <a:rPr lang="en-US" dirty="0"/>
-              <a:t>Trainers / Fighters</a:t>
-            </a:r>
-          </a:p>
-          <a:p>
-            <a:pPr lvl="1"/>
-            <a:r>
-              <a:rPr lang="en-US" dirty="0"/>
-              <a:t>Advertisers / TV Networks / Promoters</a:t>
-            </a:r>
-          </a:p>
-          <a:p>
-            <a:pPr lvl="1"/>
-            <a:r>
-              <a:rPr lang="en-US" dirty="0"/>
-              <a:t>Combat sports organizers (e.g. UFC)</a:t>
-            </a:r>
           </a:p>
           <a:p>
             <a:pPr lvl="1"/>
@@ -6724,7 +8753,7 @@
         </p:blipFill>
         <p:spPr bwMode="auto">
           <a:xfrm>
-            <a:off x="7577667" y="2114939"/>
+            <a:off x="7743825" y="2114939"/>
             <a:ext cx="4138322" cy="3496882"/>
           </a:xfrm>
           <a:prstGeom prst="roundRect">
